--- a/Slide.pptx
+++ b/Slide.pptx
@@ -25,8 +25,8 @@
     <p:sldId id="291" r:id="rId16"/>
     <p:sldId id="295" r:id="rId17"/>
     <p:sldId id="296" r:id="rId18"/>
-    <p:sldId id="297" r:id="rId19"/>
-    <p:sldId id="308" r:id="rId20"/>
+    <p:sldId id="311" r:id="rId19"/>
+    <p:sldId id="297" r:id="rId20"/>
     <p:sldId id="309" r:id="rId21"/>
     <p:sldId id="298" r:id="rId22"/>
     <p:sldId id="299" r:id="rId23"/>
@@ -1702,7 +1702,7 @@
     </p:spTree>
     <p:extLst>
       <p:ext uri="{BB962C8B-B14F-4D97-AF65-F5344CB8AC3E}">
-        <p14:creationId xmlns:p14="http://schemas.microsoft.com/office/powerpoint/2010/main" val="961797014"/>
+        <p14:creationId xmlns:p14="http://schemas.microsoft.com/office/powerpoint/2010/main" val="2021146158"/>
       </p:ext>
     </p:extLst>
   </p:cSld>
@@ -1811,7 +1811,7 @@
     </p:spTree>
     <p:extLst>
       <p:ext uri="{BB962C8B-B14F-4D97-AF65-F5344CB8AC3E}">
-        <p14:creationId xmlns:p14="http://schemas.microsoft.com/office/powerpoint/2010/main" val="779114520"/>
+        <p14:creationId xmlns:p14="http://schemas.microsoft.com/office/powerpoint/2010/main" val="961797014"/>
       </p:ext>
     </p:extLst>
   </p:cSld>
@@ -21176,10 +21176,10 @@
       </p:sp>
       <p:pic>
         <p:nvPicPr>
-          <p:cNvPr id="5" name="Hình ảnh 4">
+          <p:cNvPr id="4" name="Hình ảnh 3">
             <a:extLst>
               <a:ext uri="{FF2B5EF4-FFF2-40B4-BE49-F238E27FC236}">
-                <a16:creationId xmlns:a16="http://schemas.microsoft.com/office/drawing/2014/main" id="{575FD0EE-9199-4D5D-B2F4-B31C45A61792}"/>
+                <a16:creationId xmlns:a16="http://schemas.microsoft.com/office/drawing/2014/main" id="{576A25E5-8F95-49EB-9D85-5F07738F35F9}"/>
               </a:ext>
             </a:extLst>
           </p:cNvPr>
@@ -21196,8 +21196,8 @@
         </p:blipFill>
         <p:spPr>
           <a:xfrm>
-            <a:off x="1704975" y="3381153"/>
-            <a:ext cx="3558141" cy="305464"/>
+            <a:off x="1622904" y="3370521"/>
+            <a:ext cx="4048125" cy="393403"/>
           </a:xfrm>
           <a:prstGeom prst="rect">
             <a:avLst/>
@@ -21483,190 +21483,12 @@
           </a:p>
         </p:txBody>
       </p:sp>
-      <p:sp>
-        <p:nvSpPr>
-          <p:cNvPr id="11" name="Hộp Văn bản 10">
+      <p:pic>
+        <p:nvPicPr>
+          <p:cNvPr id="6" name="Hình ảnh 5">
             <a:extLst>
               <a:ext uri="{FF2B5EF4-FFF2-40B4-BE49-F238E27FC236}">
-                <a16:creationId xmlns:a16="http://schemas.microsoft.com/office/drawing/2014/main" id="{A4B3BC33-CE9B-4292-A2BB-E61E084BC4DD}"/>
-              </a:ext>
-            </a:extLst>
-          </p:cNvPr>
-          <p:cNvSpPr txBox="1"/>
-          <p:nvPr/>
-        </p:nvSpPr>
-        <p:spPr>
-          <a:xfrm>
-            <a:off x="592665" y="4200494"/>
-            <a:ext cx="7320845" cy="830997"/>
-          </a:xfrm>
-          <a:prstGeom prst="rect">
-            <a:avLst/>
-          </a:prstGeom>
-          <a:noFill/>
-        </p:spPr>
-        <p:txBody>
-          <a:bodyPr wrap="square">
-            <a:spAutoFit/>
-          </a:bodyPr>
-          <a:lstStyle/>
-          <a:p>
-            <a:pPr marL="0" indent="0">
-              <a:buNone/>
-            </a:pPr>
-            <a:r>
-              <a:rPr lang="en-US" sz="2400" dirty="0" err="1">
-                <a:latin typeface="Times New Roman" panose="02020603050405020304" pitchFamily="18" charset="0"/>
-                <a:cs typeface="Times New Roman" panose="02020603050405020304" pitchFamily="18" charset="0"/>
-              </a:rPr>
-              <a:t>Độ</a:t>
-            </a:r>
-            <a:r>
-              <a:rPr lang="en-US" sz="2400" dirty="0">
-                <a:latin typeface="Times New Roman" panose="02020603050405020304" pitchFamily="18" charset="0"/>
-                <a:cs typeface="Times New Roman" panose="02020603050405020304" pitchFamily="18" charset="0"/>
-              </a:rPr>
-              <a:t> </a:t>
-            </a:r>
-            <a:r>
-              <a:rPr lang="en-US" sz="2400" dirty="0" err="1">
-                <a:latin typeface="Times New Roman" panose="02020603050405020304" pitchFamily="18" charset="0"/>
-                <a:cs typeface="Times New Roman" panose="02020603050405020304" pitchFamily="18" charset="0"/>
-              </a:rPr>
-              <a:t>lỗi</a:t>
-            </a:r>
-            <a:r>
-              <a:rPr lang="en-US" sz="2400" dirty="0">
-                <a:latin typeface="Times New Roman" panose="02020603050405020304" pitchFamily="18" charset="0"/>
-                <a:cs typeface="Times New Roman" panose="02020603050405020304" pitchFamily="18" charset="0"/>
-              </a:rPr>
-              <a:t> </a:t>
-            </a:r>
-            <a:r>
-              <a:rPr lang="en-US" sz="2400" dirty="0" err="1">
-                <a:latin typeface="Times New Roman" panose="02020603050405020304" pitchFamily="18" charset="0"/>
-                <a:cs typeface="Times New Roman" panose="02020603050405020304" pitchFamily="18" charset="0"/>
-              </a:rPr>
-              <a:t>nhỏ</a:t>
-            </a:r>
-            <a:r>
-              <a:rPr lang="en-US" sz="2400" dirty="0">
-                <a:latin typeface="Times New Roman" panose="02020603050405020304" pitchFamily="18" charset="0"/>
-                <a:cs typeface="Times New Roman" panose="02020603050405020304" pitchFamily="18" charset="0"/>
-              </a:rPr>
-              <a:t> </a:t>
-            </a:r>
-            <a:r>
-              <a:rPr lang="en-US" sz="2400" dirty="0" err="1">
-                <a:latin typeface="Times New Roman" panose="02020603050405020304" pitchFamily="18" charset="0"/>
-                <a:cs typeface="Times New Roman" panose="02020603050405020304" pitchFamily="18" charset="0"/>
-              </a:rPr>
-              <a:t>nhất</a:t>
-            </a:r>
-            <a:r>
-              <a:rPr lang="en-US" sz="2400" dirty="0">
-                <a:latin typeface="Times New Roman" panose="02020603050405020304" pitchFamily="18" charset="0"/>
-                <a:cs typeface="Times New Roman" panose="02020603050405020304" pitchFamily="18" charset="0"/>
-              </a:rPr>
-              <a:t> </a:t>
-            </a:r>
-            <a:r>
-              <a:rPr lang="en-US" sz="2400" dirty="0" err="1">
-                <a:latin typeface="Times New Roman" panose="02020603050405020304" pitchFamily="18" charset="0"/>
-                <a:cs typeface="Times New Roman" panose="02020603050405020304" pitchFamily="18" charset="0"/>
-              </a:rPr>
-              <a:t>trên</a:t>
-            </a:r>
-            <a:r>
-              <a:rPr lang="en-US" sz="2400" dirty="0">
-                <a:latin typeface="Times New Roman" panose="02020603050405020304" pitchFamily="18" charset="0"/>
-                <a:cs typeface="Times New Roman" panose="02020603050405020304" pitchFamily="18" charset="0"/>
-              </a:rPr>
-              <a:t> </a:t>
-            </a:r>
-            <a:r>
-              <a:rPr lang="en-US" sz="2400" dirty="0" err="1">
-                <a:latin typeface="Times New Roman" panose="02020603050405020304" pitchFamily="18" charset="0"/>
-                <a:cs typeface="Times New Roman" panose="02020603050405020304" pitchFamily="18" charset="0"/>
-              </a:rPr>
-              <a:t>tập</a:t>
-            </a:r>
-            <a:r>
-              <a:rPr lang="en-US" sz="2400" dirty="0">
-                <a:latin typeface="Times New Roman" panose="02020603050405020304" pitchFamily="18" charset="0"/>
-                <a:cs typeface="Times New Roman" panose="02020603050405020304" pitchFamily="18" charset="0"/>
-              </a:rPr>
-              <a:t> valid </a:t>
-            </a:r>
-            <a:r>
-              <a:rPr lang="en-US" sz="2400" dirty="0" err="1">
-                <a:latin typeface="Times New Roman" panose="02020603050405020304" pitchFamily="18" charset="0"/>
-                <a:cs typeface="Times New Roman" panose="02020603050405020304" pitchFamily="18" charset="0"/>
-              </a:rPr>
-              <a:t>là</a:t>
-            </a:r>
-            <a:r>
-              <a:rPr lang="en-US" sz="2400" dirty="0">
-                <a:latin typeface="Times New Roman" panose="02020603050405020304" pitchFamily="18" charset="0"/>
-                <a:cs typeface="Times New Roman" panose="02020603050405020304" pitchFamily="18" charset="0"/>
-              </a:rPr>
-              <a:t> 7.26%, alpha </a:t>
-            </a:r>
-            <a:r>
-              <a:rPr lang="en-US" sz="2400" dirty="0" err="1">
-                <a:latin typeface="Times New Roman" panose="02020603050405020304" pitchFamily="18" charset="0"/>
-                <a:cs typeface="Times New Roman" panose="02020603050405020304" pitchFamily="18" charset="0"/>
-              </a:rPr>
-              <a:t>tốt</a:t>
-            </a:r>
-            <a:r>
-              <a:rPr lang="en-US" sz="2400" dirty="0">
-                <a:latin typeface="Times New Roman" panose="02020603050405020304" pitchFamily="18" charset="0"/>
-                <a:cs typeface="Times New Roman" panose="02020603050405020304" pitchFamily="18" charset="0"/>
-              </a:rPr>
-              <a:t> </a:t>
-            </a:r>
-            <a:r>
-              <a:rPr lang="en-US" sz="2400" dirty="0" err="1">
-                <a:latin typeface="Times New Roman" panose="02020603050405020304" pitchFamily="18" charset="0"/>
-                <a:cs typeface="Times New Roman" panose="02020603050405020304" pitchFamily="18" charset="0"/>
-              </a:rPr>
-              <a:t>nhất</a:t>
-            </a:r>
-            <a:r>
-              <a:rPr lang="en-US" sz="2400" dirty="0">
-                <a:latin typeface="Times New Roman" panose="02020603050405020304" pitchFamily="18" charset="0"/>
-                <a:cs typeface="Times New Roman" panose="02020603050405020304" pitchFamily="18" charset="0"/>
-              </a:rPr>
-              <a:t> </a:t>
-            </a:r>
-            <a:r>
-              <a:rPr lang="en-US" sz="2400" dirty="0" err="1">
-                <a:latin typeface="Times New Roman" panose="02020603050405020304" pitchFamily="18" charset="0"/>
-                <a:cs typeface="Times New Roman" panose="02020603050405020304" pitchFamily="18" charset="0"/>
-              </a:rPr>
-              <a:t>là</a:t>
-            </a:r>
-            <a:r>
-              <a:rPr lang="en-US" sz="2400" dirty="0">
-                <a:latin typeface="Times New Roman" panose="02020603050405020304" pitchFamily="18" charset="0"/>
-                <a:cs typeface="Times New Roman" panose="02020603050405020304" pitchFamily="18" charset="0"/>
-              </a:rPr>
-              <a:t> 0.01</a:t>
-            </a:r>
-            <a:endParaRPr lang="en-US" sz="2400" b="0" i="0" dirty="0">
-              <a:latin typeface="Times New Roman" panose="02020603050405020304" pitchFamily="18" charset="0"/>
-              <a:cs typeface="Times New Roman" panose="02020603050405020304" pitchFamily="18" charset="0"/>
-            </a:endParaRPr>
-          </a:p>
-        </p:txBody>
-      </p:sp>
-      <p:pic>
-        <p:nvPicPr>
-          <p:cNvPr id="5" name="Hình ảnh 4">
-            <a:extLst>
-              <a:ext uri="{FF2B5EF4-FFF2-40B4-BE49-F238E27FC236}">
-                <a16:creationId xmlns:a16="http://schemas.microsoft.com/office/drawing/2014/main" id="{450E9AA4-FA17-41EF-803F-CD6A278A85B5}"/>
+                <a16:creationId xmlns:a16="http://schemas.microsoft.com/office/drawing/2014/main" id="{1B7D8224-BEE3-4818-9ADE-EB4A3556C3F5}"/>
               </a:ext>
             </a:extLst>
           </p:cNvPr>
@@ -21683,8 +21505,8 @@
         </p:blipFill>
         <p:spPr>
           <a:xfrm>
-            <a:off x="304459" y="1066375"/>
-            <a:ext cx="3990975" cy="2514600"/>
+            <a:off x="352516" y="1131711"/>
+            <a:ext cx="4124325" cy="2581275"/>
           </a:xfrm>
           <a:prstGeom prst="rect">
             <a:avLst/>
@@ -21693,10 +21515,10 @@
       </p:pic>
       <p:pic>
         <p:nvPicPr>
-          <p:cNvPr id="9" name="Hình ảnh 8">
+          <p:cNvPr id="8" name="Hình ảnh 7">
             <a:extLst>
               <a:ext uri="{FF2B5EF4-FFF2-40B4-BE49-F238E27FC236}">
-                <a16:creationId xmlns:a16="http://schemas.microsoft.com/office/drawing/2014/main" id="{F46F26D8-7764-41F3-84AA-78D6AAF9B493}"/>
+                <a16:creationId xmlns:a16="http://schemas.microsoft.com/office/drawing/2014/main" id="{063FFEB9-6501-44EF-84C6-5521418BC25D}"/>
               </a:ext>
             </a:extLst>
           </p:cNvPr>
@@ -21713,8 +21535,8 @@
         </p:blipFill>
         <p:spPr>
           <a:xfrm>
-            <a:off x="4658278" y="965591"/>
-            <a:ext cx="3952875" cy="2657475"/>
+            <a:off x="4476841" y="1084085"/>
+            <a:ext cx="4162425" cy="2676525"/>
           </a:xfrm>
           <a:prstGeom prst="rect">
             <a:avLst/>
@@ -21969,43 +21791,10 @@
       </p:sp>
       <p:sp>
         <p:nvSpPr>
-          <p:cNvPr id="4" name="Chỗ dành sẵn cho Văn bản 3">
+          <p:cNvPr id="9" name="Hộp Văn bản 8">
             <a:extLst>
               <a:ext uri="{FF2B5EF4-FFF2-40B4-BE49-F238E27FC236}">
-                <a16:creationId xmlns:a16="http://schemas.microsoft.com/office/drawing/2014/main" id="{6F3A5ACB-CB38-451B-AC24-2B027839CF73}"/>
-              </a:ext>
-            </a:extLst>
-          </p:cNvPr>
-          <p:cNvSpPr>
-            <a:spLocks noGrp="1"/>
-          </p:cNvSpPr>
-          <p:nvPr>
-            <p:ph type="body" idx="1"/>
-          </p:nvPr>
-        </p:nvSpPr>
-        <p:spPr>
-          <a:xfrm>
-            <a:off x="94754" y="143141"/>
-            <a:ext cx="8668119" cy="779604"/>
-          </a:xfrm>
-        </p:spPr>
-        <p:txBody>
-          <a:bodyPr/>
-          <a:lstStyle/>
-          <a:p>
-            <a:r>
-              <a:rPr lang="en-US" sz="2800" i="0"/>
-              <a:t>Huấn luyện lại mô hình với cả tập train và tập valid</a:t>
-            </a:r>
-          </a:p>
-        </p:txBody>
-      </p:sp>
-      <p:sp>
-        <p:nvSpPr>
-          <p:cNvPr id="7" name="Hộp Văn bản 6">
-            <a:extLst>
-              <a:ext uri="{FF2B5EF4-FFF2-40B4-BE49-F238E27FC236}">
-                <a16:creationId xmlns:a16="http://schemas.microsoft.com/office/drawing/2014/main" id="{E2042F00-EAE9-47F5-B429-51DB43C78D9B}"/>
+                <a16:creationId xmlns:a16="http://schemas.microsoft.com/office/drawing/2014/main" id="{8DB02CCB-CBC0-490D-97A2-FB9973E8BBB0}"/>
               </a:ext>
             </a:extLst>
           </p:cNvPr>
@@ -22014,8 +21803,554 @@
         </p:nvSpPr>
         <p:spPr>
           <a:xfrm>
-            <a:off x="615310" y="1131711"/>
-            <a:ext cx="6067778" cy="1200329"/>
+            <a:off x="435934" y="469991"/>
+            <a:ext cx="8048715" cy="707886"/>
+          </a:xfrm>
+          <a:prstGeom prst="rect">
+            <a:avLst/>
+          </a:prstGeom>
+          <a:noFill/>
+        </p:spPr>
+        <p:txBody>
+          <a:bodyPr wrap="square">
+            <a:spAutoFit/>
+          </a:bodyPr>
+          <a:lstStyle/>
+          <a:p>
+            <a:r>
+              <a:rPr lang="en-US" sz="2000" b="0" i="0" dirty="0" err="1">
+                <a:solidFill>
+                  <a:srgbClr val="000000"/>
+                </a:solidFill>
+                <a:effectLst/>
+                <a:latin typeface="Times New Roman" panose="02020603050405020304" pitchFamily="18" charset="0"/>
+                <a:cs typeface="Times New Roman" panose="02020603050405020304" pitchFamily="18" charset="0"/>
+              </a:rPr>
+              <a:t>Độ</a:t>
+            </a:r>
+            <a:r>
+              <a:rPr lang="en-US" sz="2000" b="0" i="0" dirty="0">
+                <a:solidFill>
+                  <a:srgbClr val="000000"/>
+                </a:solidFill>
+                <a:effectLst/>
+                <a:latin typeface="Times New Roman" panose="02020603050405020304" pitchFamily="18" charset="0"/>
+                <a:cs typeface="Times New Roman" panose="02020603050405020304" pitchFamily="18" charset="0"/>
+              </a:rPr>
+              <a:t> </a:t>
+            </a:r>
+            <a:r>
+              <a:rPr lang="en-US" sz="2000" b="0" i="0" dirty="0" err="1">
+                <a:solidFill>
+                  <a:srgbClr val="000000"/>
+                </a:solidFill>
+                <a:effectLst/>
+                <a:latin typeface="Times New Roman" panose="02020603050405020304" pitchFamily="18" charset="0"/>
+                <a:cs typeface="Times New Roman" panose="02020603050405020304" pitchFamily="18" charset="0"/>
+              </a:rPr>
+              <a:t>lỗi</a:t>
+            </a:r>
+            <a:r>
+              <a:rPr lang="en-US" sz="2000" b="0" i="0" dirty="0">
+                <a:solidFill>
+                  <a:srgbClr val="000000"/>
+                </a:solidFill>
+                <a:effectLst/>
+                <a:latin typeface="Times New Roman" panose="02020603050405020304" pitchFamily="18" charset="0"/>
+                <a:cs typeface="Times New Roman" panose="02020603050405020304" pitchFamily="18" charset="0"/>
+              </a:rPr>
+              <a:t> </a:t>
+            </a:r>
+            <a:r>
+              <a:rPr lang="en-US" sz="2000" b="0" i="0" dirty="0" err="1">
+                <a:solidFill>
+                  <a:srgbClr val="000000"/>
+                </a:solidFill>
+                <a:effectLst/>
+                <a:latin typeface="Times New Roman" panose="02020603050405020304" pitchFamily="18" charset="0"/>
+                <a:cs typeface="Times New Roman" panose="02020603050405020304" pitchFamily="18" charset="0"/>
+              </a:rPr>
+              <a:t>trên</a:t>
+            </a:r>
+            <a:r>
+              <a:rPr lang="en-US" sz="2000" b="0" i="0" dirty="0">
+                <a:solidFill>
+                  <a:srgbClr val="000000"/>
+                </a:solidFill>
+                <a:effectLst/>
+                <a:latin typeface="Times New Roman" panose="02020603050405020304" pitchFamily="18" charset="0"/>
+                <a:cs typeface="Times New Roman" panose="02020603050405020304" pitchFamily="18" charset="0"/>
+              </a:rPr>
+              <a:t> </a:t>
+            </a:r>
+            <a:r>
+              <a:rPr lang="en-US" sz="2000" b="0" i="0" dirty="0" err="1">
+                <a:solidFill>
+                  <a:srgbClr val="000000"/>
+                </a:solidFill>
+                <a:effectLst/>
+                <a:latin typeface="Times New Roman" panose="02020603050405020304" pitchFamily="18" charset="0"/>
+                <a:cs typeface="Times New Roman" panose="02020603050405020304" pitchFamily="18" charset="0"/>
+              </a:rPr>
+              <a:t>tập</a:t>
+            </a:r>
+            <a:r>
+              <a:rPr lang="en-US" sz="2000" b="0" i="0" dirty="0">
+                <a:solidFill>
+                  <a:srgbClr val="000000"/>
+                </a:solidFill>
+                <a:effectLst/>
+                <a:latin typeface="Times New Roman" panose="02020603050405020304" pitchFamily="18" charset="0"/>
+                <a:cs typeface="Times New Roman" panose="02020603050405020304" pitchFamily="18" charset="0"/>
+              </a:rPr>
+              <a:t> valid </a:t>
+            </a:r>
+            <a:r>
+              <a:rPr lang="en-US" sz="2000" b="0" i="0" dirty="0" err="1">
+                <a:solidFill>
+                  <a:srgbClr val="000000"/>
+                </a:solidFill>
+                <a:effectLst/>
+                <a:latin typeface="Times New Roman" panose="02020603050405020304" pitchFamily="18" charset="0"/>
+                <a:cs typeface="Times New Roman" panose="02020603050405020304" pitchFamily="18" charset="0"/>
+              </a:rPr>
+              <a:t>khi</a:t>
+            </a:r>
+            <a:r>
+              <a:rPr lang="en-US" sz="2000" b="0" i="0" dirty="0">
+                <a:solidFill>
+                  <a:srgbClr val="000000"/>
+                </a:solidFill>
+                <a:effectLst/>
+                <a:latin typeface="Times New Roman" panose="02020603050405020304" pitchFamily="18" charset="0"/>
+                <a:cs typeface="Times New Roman" panose="02020603050405020304" pitchFamily="18" charset="0"/>
+              </a:rPr>
+              <a:t> alpha </a:t>
+            </a:r>
+            <a:r>
+              <a:rPr lang="en-US" sz="2000" b="0" i="0" dirty="0" err="1">
+                <a:solidFill>
+                  <a:srgbClr val="000000"/>
+                </a:solidFill>
+                <a:effectLst/>
+                <a:latin typeface="Times New Roman" panose="02020603050405020304" pitchFamily="18" charset="0"/>
+                <a:cs typeface="Times New Roman" panose="02020603050405020304" pitchFamily="18" charset="0"/>
+              </a:rPr>
+              <a:t>đi</a:t>
+            </a:r>
+            <a:r>
+              <a:rPr lang="en-US" sz="2000" b="0" i="0" dirty="0">
+                <a:solidFill>
+                  <a:srgbClr val="000000"/>
+                </a:solidFill>
+                <a:effectLst/>
+                <a:latin typeface="Times New Roman" panose="02020603050405020304" pitchFamily="18" charset="0"/>
+                <a:cs typeface="Times New Roman" panose="02020603050405020304" pitchFamily="18" charset="0"/>
+              </a:rPr>
+              <a:t> </a:t>
+            </a:r>
+            <a:r>
+              <a:rPr lang="en-US" sz="2000" b="0" i="0" dirty="0" err="1">
+                <a:solidFill>
+                  <a:srgbClr val="000000"/>
+                </a:solidFill>
+                <a:effectLst/>
+                <a:latin typeface="Times New Roman" panose="02020603050405020304" pitchFamily="18" charset="0"/>
+                <a:cs typeface="Times New Roman" panose="02020603050405020304" pitchFamily="18" charset="0"/>
+              </a:rPr>
+              <a:t>từ</a:t>
+            </a:r>
+            <a:r>
+              <a:rPr lang="en-US" sz="2000" b="0" i="0" dirty="0">
+                <a:solidFill>
+                  <a:srgbClr val="000000"/>
+                </a:solidFill>
+                <a:effectLst/>
+                <a:latin typeface="Times New Roman" panose="02020603050405020304" pitchFamily="18" charset="0"/>
+                <a:cs typeface="Times New Roman" panose="02020603050405020304" pitchFamily="18" charset="0"/>
+              </a:rPr>
+              <a:t> 0.00001 - 0.01 </a:t>
+            </a:r>
+            <a:r>
+              <a:rPr lang="en-US" sz="2000" b="0" i="0" dirty="0" err="1">
+                <a:solidFill>
+                  <a:srgbClr val="000000"/>
+                </a:solidFill>
+                <a:effectLst/>
+                <a:latin typeface="Times New Roman" panose="02020603050405020304" pitchFamily="18" charset="0"/>
+                <a:cs typeface="Times New Roman" panose="02020603050405020304" pitchFamily="18" charset="0"/>
+              </a:rPr>
+              <a:t>tăng</a:t>
+            </a:r>
+            <a:r>
+              <a:rPr lang="en-US" sz="2000" b="0" i="0" dirty="0">
+                <a:solidFill>
+                  <a:srgbClr val="000000"/>
+                </a:solidFill>
+                <a:effectLst/>
+                <a:latin typeface="Times New Roman" panose="02020603050405020304" pitchFamily="18" charset="0"/>
+                <a:cs typeface="Times New Roman" panose="02020603050405020304" pitchFamily="18" charset="0"/>
+              </a:rPr>
+              <a:t> </a:t>
+            </a:r>
+            <a:r>
+              <a:rPr lang="en-US" sz="2000" b="0" i="0" dirty="0" err="1">
+                <a:solidFill>
+                  <a:srgbClr val="000000"/>
+                </a:solidFill>
+                <a:effectLst/>
+                <a:latin typeface="Times New Roman" panose="02020603050405020304" pitchFamily="18" charset="0"/>
+                <a:cs typeface="Times New Roman" panose="02020603050405020304" pitchFamily="18" charset="0"/>
+              </a:rPr>
+              <a:t>rồi</a:t>
+            </a:r>
+            <a:r>
+              <a:rPr lang="en-US" sz="2000" b="0" i="0" dirty="0">
+                <a:solidFill>
+                  <a:srgbClr val="000000"/>
+                </a:solidFill>
+                <a:effectLst/>
+                <a:latin typeface="Times New Roman" panose="02020603050405020304" pitchFamily="18" charset="0"/>
+                <a:cs typeface="Times New Roman" panose="02020603050405020304" pitchFamily="18" charset="0"/>
+              </a:rPr>
+              <a:t> </a:t>
+            </a:r>
+            <a:r>
+              <a:rPr lang="en-US" sz="2000" b="0" i="0" dirty="0" err="1">
+                <a:solidFill>
+                  <a:srgbClr val="000000"/>
+                </a:solidFill>
+                <a:effectLst/>
+                <a:latin typeface="Times New Roman" panose="02020603050405020304" pitchFamily="18" charset="0"/>
+                <a:cs typeface="Times New Roman" panose="02020603050405020304" pitchFamily="18" charset="0"/>
+              </a:rPr>
+              <a:t>lại</a:t>
+            </a:r>
+            <a:r>
+              <a:rPr lang="en-US" sz="2000" b="0" i="0" dirty="0">
+                <a:solidFill>
+                  <a:srgbClr val="000000"/>
+                </a:solidFill>
+                <a:effectLst/>
+                <a:latin typeface="Times New Roman" panose="02020603050405020304" pitchFamily="18" charset="0"/>
+                <a:cs typeface="Times New Roman" panose="02020603050405020304" pitchFamily="18" charset="0"/>
+              </a:rPr>
+              <a:t> </a:t>
+            </a:r>
+            <a:r>
+              <a:rPr lang="en-US" sz="2000" b="0" i="0" dirty="0" err="1">
+                <a:solidFill>
+                  <a:srgbClr val="000000"/>
+                </a:solidFill>
+                <a:effectLst/>
+                <a:latin typeface="Times New Roman" panose="02020603050405020304" pitchFamily="18" charset="0"/>
+                <a:cs typeface="Times New Roman" panose="02020603050405020304" pitchFamily="18" charset="0"/>
+              </a:rPr>
+              <a:t>giảm</a:t>
+            </a:r>
+            <a:r>
+              <a:rPr lang="en-US" sz="2000" b="0" i="0" dirty="0">
+                <a:solidFill>
+                  <a:srgbClr val="000000"/>
+                </a:solidFill>
+                <a:effectLst/>
+                <a:latin typeface="Times New Roman" panose="02020603050405020304" pitchFamily="18" charset="0"/>
+                <a:cs typeface="Times New Roman" panose="02020603050405020304" pitchFamily="18" charset="0"/>
+              </a:rPr>
+              <a:t>, </a:t>
+            </a:r>
+            <a:r>
+              <a:rPr lang="en-US" sz="2000" b="0" i="0" dirty="0" err="1">
+                <a:solidFill>
+                  <a:srgbClr val="000000"/>
+                </a:solidFill>
+                <a:effectLst/>
+                <a:latin typeface="Times New Roman" panose="02020603050405020304" pitchFamily="18" charset="0"/>
+                <a:cs typeface="Times New Roman" panose="02020603050405020304" pitchFamily="18" charset="0"/>
+              </a:rPr>
+              <a:t>nên</a:t>
+            </a:r>
+            <a:r>
+              <a:rPr lang="en-US" sz="2000" b="0" i="0" dirty="0">
+                <a:solidFill>
+                  <a:srgbClr val="000000"/>
+                </a:solidFill>
+                <a:effectLst/>
+                <a:latin typeface="Times New Roman" panose="02020603050405020304" pitchFamily="18" charset="0"/>
+                <a:cs typeface="Times New Roman" panose="02020603050405020304" pitchFamily="18" charset="0"/>
+              </a:rPr>
+              <a:t> </a:t>
+            </a:r>
+            <a:r>
+              <a:rPr lang="en-US" sz="2000" b="0" i="0" dirty="0" err="1">
+                <a:solidFill>
+                  <a:srgbClr val="000000"/>
+                </a:solidFill>
+                <a:effectLst/>
+                <a:latin typeface="Times New Roman" panose="02020603050405020304" pitchFamily="18" charset="0"/>
+                <a:cs typeface="Times New Roman" panose="02020603050405020304" pitchFamily="18" charset="0"/>
+              </a:rPr>
+              <a:t>tiếp</a:t>
+            </a:r>
+            <a:r>
+              <a:rPr lang="en-US" sz="2000" b="0" i="0" dirty="0">
+                <a:solidFill>
+                  <a:srgbClr val="000000"/>
+                </a:solidFill>
+                <a:effectLst/>
+                <a:latin typeface="Times New Roman" panose="02020603050405020304" pitchFamily="18" charset="0"/>
+                <a:cs typeface="Times New Roman" panose="02020603050405020304" pitchFamily="18" charset="0"/>
+              </a:rPr>
+              <a:t> </a:t>
+            </a:r>
+            <a:r>
+              <a:rPr lang="en-US" sz="2000" b="0" i="0" dirty="0" err="1">
+                <a:solidFill>
+                  <a:srgbClr val="000000"/>
+                </a:solidFill>
+                <a:effectLst/>
+                <a:latin typeface="Times New Roman" panose="02020603050405020304" pitchFamily="18" charset="0"/>
+                <a:cs typeface="Times New Roman" panose="02020603050405020304" pitchFamily="18" charset="0"/>
+              </a:rPr>
+              <a:t>tục</a:t>
+            </a:r>
+            <a:r>
+              <a:rPr lang="en-US" sz="2000" b="0" i="0" dirty="0">
+                <a:solidFill>
+                  <a:srgbClr val="000000"/>
+                </a:solidFill>
+                <a:effectLst/>
+                <a:latin typeface="Times New Roman" panose="02020603050405020304" pitchFamily="18" charset="0"/>
+                <a:cs typeface="Times New Roman" panose="02020603050405020304" pitchFamily="18" charset="0"/>
+              </a:rPr>
+              <a:t> chia </a:t>
+            </a:r>
+            <a:r>
+              <a:rPr lang="en-US" sz="2000" b="0" i="0" dirty="0" err="1">
+                <a:solidFill>
+                  <a:srgbClr val="000000"/>
+                </a:solidFill>
+                <a:effectLst/>
+                <a:latin typeface="Times New Roman" panose="02020603050405020304" pitchFamily="18" charset="0"/>
+                <a:cs typeface="Times New Roman" panose="02020603050405020304" pitchFamily="18" charset="0"/>
+              </a:rPr>
+              <a:t>nhỏ</a:t>
+            </a:r>
+            <a:r>
+              <a:rPr lang="en-US" sz="2000" b="0" i="0" dirty="0">
+                <a:solidFill>
+                  <a:srgbClr val="000000"/>
+                </a:solidFill>
+                <a:effectLst/>
+                <a:latin typeface="Times New Roman" panose="02020603050405020304" pitchFamily="18" charset="0"/>
+                <a:cs typeface="Times New Roman" panose="02020603050405020304" pitchFamily="18" charset="0"/>
+              </a:rPr>
+              <a:t> </a:t>
+            </a:r>
+            <a:r>
+              <a:rPr lang="en-US" sz="2000" b="0" i="0" dirty="0" err="1">
+                <a:solidFill>
+                  <a:srgbClr val="000000"/>
+                </a:solidFill>
+                <a:effectLst/>
+                <a:latin typeface="Times New Roman" panose="02020603050405020304" pitchFamily="18" charset="0"/>
+                <a:cs typeface="Times New Roman" panose="02020603050405020304" pitchFamily="18" charset="0"/>
+              </a:rPr>
+              <a:t>miền</a:t>
+            </a:r>
+            <a:r>
+              <a:rPr lang="en-US" sz="2000" b="0" i="0" dirty="0">
+                <a:solidFill>
+                  <a:srgbClr val="000000"/>
+                </a:solidFill>
+                <a:effectLst/>
+                <a:latin typeface="Times New Roman" panose="02020603050405020304" pitchFamily="18" charset="0"/>
+                <a:cs typeface="Times New Roman" panose="02020603050405020304" pitchFamily="18" charset="0"/>
+              </a:rPr>
+              <a:t> </a:t>
+            </a:r>
+            <a:r>
+              <a:rPr lang="en-US" sz="2000" b="0" i="0" dirty="0" err="1">
+                <a:solidFill>
+                  <a:srgbClr val="000000"/>
+                </a:solidFill>
+                <a:effectLst/>
+                <a:latin typeface="Times New Roman" panose="02020603050405020304" pitchFamily="18" charset="0"/>
+                <a:cs typeface="Times New Roman" panose="02020603050405020304" pitchFamily="18" charset="0"/>
+              </a:rPr>
+              <a:t>này</a:t>
+            </a:r>
+            <a:r>
+              <a:rPr lang="en-US" sz="2000" b="0" i="0" dirty="0">
+                <a:solidFill>
+                  <a:srgbClr val="000000"/>
+                </a:solidFill>
+                <a:effectLst/>
+                <a:latin typeface="Times New Roman" panose="02020603050405020304" pitchFamily="18" charset="0"/>
+                <a:cs typeface="Times New Roman" panose="02020603050405020304" pitchFamily="18" charset="0"/>
+              </a:rPr>
+              <a:t> </a:t>
+            </a:r>
+            <a:r>
+              <a:rPr lang="en-US" sz="2000" b="0" i="0" dirty="0" err="1">
+                <a:solidFill>
+                  <a:srgbClr val="000000"/>
+                </a:solidFill>
+                <a:effectLst/>
+                <a:latin typeface="Times New Roman" panose="02020603050405020304" pitchFamily="18" charset="0"/>
+                <a:cs typeface="Times New Roman" panose="02020603050405020304" pitchFamily="18" charset="0"/>
+              </a:rPr>
+              <a:t>để</a:t>
+            </a:r>
+            <a:r>
+              <a:rPr lang="en-US" sz="2000" b="0" i="0" dirty="0">
+                <a:solidFill>
+                  <a:srgbClr val="000000"/>
+                </a:solidFill>
+                <a:effectLst/>
+                <a:latin typeface="Times New Roman" panose="02020603050405020304" pitchFamily="18" charset="0"/>
+                <a:cs typeface="Times New Roman" panose="02020603050405020304" pitchFamily="18" charset="0"/>
+              </a:rPr>
+              <a:t> </a:t>
+            </a:r>
+            <a:r>
+              <a:rPr lang="en-US" sz="2000" b="0" i="0" dirty="0" err="1">
+                <a:solidFill>
+                  <a:srgbClr val="000000"/>
+                </a:solidFill>
+                <a:effectLst/>
+                <a:latin typeface="Times New Roman" panose="02020603050405020304" pitchFamily="18" charset="0"/>
+                <a:cs typeface="Times New Roman" panose="02020603050405020304" pitchFamily="18" charset="0"/>
+              </a:rPr>
+              <a:t>tìm</a:t>
+            </a:r>
+            <a:r>
+              <a:rPr lang="en-US" sz="2000" b="0" i="0" dirty="0">
+                <a:solidFill>
+                  <a:srgbClr val="000000"/>
+                </a:solidFill>
+                <a:effectLst/>
+                <a:latin typeface="Times New Roman" panose="02020603050405020304" pitchFamily="18" charset="0"/>
+                <a:cs typeface="Times New Roman" panose="02020603050405020304" pitchFamily="18" charset="0"/>
+              </a:rPr>
+              <a:t> alpha </a:t>
+            </a:r>
+            <a:r>
+              <a:rPr lang="en-US" sz="2000" b="0" i="0" dirty="0" err="1">
+                <a:solidFill>
+                  <a:srgbClr val="000000"/>
+                </a:solidFill>
+                <a:effectLst/>
+                <a:latin typeface="Times New Roman" panose="02020603050405020304" pitchFamily="18" charset="0"/>
+                <a:cs typeface="Times New Roman" panose="02020603050405020304" pitchFamily="18" charset="0"/>
+              </a:rPr>
+              <a:t>tốt</a:t>
+            </a:r>
+            <a:r>
+              <a:rPr lang="en-US" sz="2000" b="0" i="0" dirty="0">
+                <a:solidFill>
+                  <a:srgbClr val="000000"/>
+                </a:solidFill>
+                <a:effectLst/>
+                <a:latin typeface="Times New Roman" panose="02020603050405020304" pitchFamily="18" charset="0"/>
+                <a:cs typeface="Times New Roman" panose="02020603050405020304" pitchFamily="18" charset="0"/>
+              </a:rPr>
+              <a:t> </a:t>
+            </a:r>
+            <a:r>
+              <a:rPr lang="en-US" sz="2000" b="0" i="0" dirty="0" err="1">
+                <a:solidFill>
+                  <a:srgbClr val="000000"/>
+                </a:solidFill>
+                <a:effectLst/>
+                <a:latin typeface="Times New Roman" panose="02020603050405020304" pitchFamily="18" charset="0"/>
+                <a:cs typeface="Times New Roman" panose="02020603050405020304" pitchFamily="18" charset="0"/>
+              </a:rPr>
+              <a:t>nhất</a:t>
+            </a:r>
+            <a:endParaRPr lang="en-US" sz="2000" dirty="0">
+              <a:latin typeface="Times New Roman" panose="02020603050405020304" pitchFamily="18" charset="0"/>
+              <a:cs typeface="Times New Roman" panose="02020603050405020304" pitchFamily="18" charset="0"/>
+            </a:endParaRPr>
+          </a:p>
+        </p:txBody>
+      </p:sp>
+      <p:pic>
+        <p:nvPicPr>
+          <p:cNvPr id="11" name="Hình ảnh 10">
+            <a:extLst>
+              <a:ext uri="{FF2B5EF4-FFF2-40B4-BE49-F238E27FC236}">
+                <a16:creationId xmlns:a16="http://schemas.microsoft.com/office/drawing/2014/main" id="{E7EFCFE8-56A3-43D9-B019-DA8B1825D1AB}"/>
+              </a:ext>
+            </a:extLst>
+          </p:cNvPr>
+          <p:cNvPicPr>
+            <a:picLocks noChangeAspect="1"/>
+          </p:cNvPicPr>
+          <p:nvPr/>
+        </p:nvPicPr>
+        <p:blipFill>
+          <a:blip r:embed="rId3"/>
+          <a:stretch>
+            <a:fillRect/>
+          </a:stretch>
+        </p:blipFill>
+        <p:spPr>
+          <a:xfrm>
+            <a:off x="345491" y="1495979"/>
+            <a:ext cx="4114800" cy="2619375"/>
+          </a:xfrm>
+          <a:prstGeom prst="rect">
+            <a:avLst/>
+          </a:prstGeom>
+        </p:spPr>
+      </p:pic>
+      <p:pic>
+        <p:nvPicPr>
+          <p:cNvPr id="13" name="Hình ảnh 12">
+            <a:extLst>
+              <a:ext uri="{FF2B5EF4-FFF2-40B4-BE49-F238E27FC236}">
+                <a16:creationId xmlns:a16="http://schemas.microsoft.com/office/drawing/2014/main" id="{9D970E30-1B01-459F-9DE0-4C9F617D1FDB}"/>
+              </a:ext>
+            </a:extLst>
+          </p:cNvPr>
+          <p:cNvPicPr>
+            <a:picLocks noChangeAspect="1"/>
+          </p:cNvPicPr>
+          <p:nvPr/>
+        </p:nvPicPr>
+        <p:blipFill>
+          <a:blip r:embed="rId4"/>
+          <a:stretch>
+            <a:fillRect/>
+          </a:stretch>
+        </p:blipFill>
+        <p:spPr>
+          <a:xfrm>
+            <a:off x="4683711" y="1495979"/>
+            <a:ext cx="4019550" cy="2609850"/>
+          </a:xfrm>
+          <a:prstGeom prst="rect">
+            <a:avLst/>
+          </a:prstGeom>
+        </p:spPr>
+      </p:pic>
+      <p:sp>
+        <p:nvSpPr>
+          <p:cNvPr id="14" name="Hộp Văn bản 13">
+            <a:extLst>
+              <a:ext uri="{FF2B5EF4-FFF2-40B4-BE49-F238E27FC236}">
+                <a16:creationId xmlns:a16="http://schemas.microsoft.com/office/drawing/2014/main" id="{7F21E419-4F44-4AAC-AE55-FC3DD35E019C}"/>
+              </a:ext>
+            </a:extLst>
+          </p:cNvPr>
+          <p:cNvSpPr txBox="1"/>
+          <p:nvPr/>
+        </p:nvSpPr>
+        <p:spPr>
+          <a:xfrm>
+            <a:off x="592665" y="4200494"/>
+            <a:ext cx="7320845" cy="830997"/>
           </a:xfrm>
           <a:prstGeom prst="rect">
             <a:avLst/>
@@ -22036,33 +22371,35 @@
                 <a:latin typeface="Times New Roman" panose="02020603050405020304" pitchFamily="18" charset="0"/>
                 <a:cs typeface="Times New Roman" panose="02020603050405020304" pitchFamily="18" charset="0"/>
               </a:rPr>
-              <a:t>Với</a:t>
+              <a:t>Độ</a:t>
             </a:r>
             <a:r>
               <a:rPr lang="en-US" sz="2400" dirty="0">
                 <a:latin typeface="Times New Roman" panose="02020603050405020304" pitchFamily="18" charset="0"/>
                 <a:cs typeface="Times New Roman" panose="02020603050405020304" pitchFamily="18" charset="0"/>
               </a:rPr>
-              <a:t> alpha = 0.01:</a:t>
-            </a:r>
-          </a:p>
-          <a:p>
-            <a:pPr marL="0" indent="0">
-              <a:buNone/>
-            </a:pPr>
+              <a:t> </a:t>
+            </a:r>
+            <a:r>
+              <a:rPr lang="en-US" sz="2400" dirty="0" err="1">
+                <a:latin typeface="Times New Roman" panose="02020603050405020304" pitchFamily="18" charset="0"/>
+                <a:cs typeface="Times New Roman" panose="02020603050405020304" pitchFamily="18" charset="0"/>
+              </a:rPr>
+              <a:t>lỗi</a:t>
+            </a:r>
             <a:r>
               <a:rPr lang="en-US" sz="2400" dirty="0">
                 <a:latin typeface="Times New Roman" panose="02020603050405020304" pitchFamily="18" charset="0"/>
                 <a:cs typeface="Times New Roman" panose="02020603050405020304" pitchFamily="18" charset="0"/>
               </a:rPr>
-              <a:t>- </a:t>
+              <a:t> </a:t>
             </a:r>
             <a:r>
               <a:rPr lang="en-US" sz="2400" dirty="0" err="1">
                 <a:latin typeface="Times New Roman" panose="02020603050405020304" pitchFamily="18" charset="0"/>
                 <a:cs typeface="Times New Roman" panose="02020603050405020304" pitchFamily="18" charset="0"/>
               </a:rPr>
-              <a:t>Độ</a:t>
+              <a:t>nhỏ</a:t>
             </a:r>
             <a:r>
               <a:rPr lang="en-US" sz="2400" dirty="0">
@@ -22076,7 +22413,7 @@
                 <a:latin typeface="Times New Roman" panose="02020603050405020304" pitchFamily="18" charset="0"/>
                 <a:cs typeface="Times New Roman" panose="02020603050405020304" pitchFamily="18" charset="0"/>
               </a:rPr>
-              <a:t>lỗi</a:t>
+              <a:t>nhất</a:t>
             </a:r>
             <a:r>
               <a:rPr lang="en-US" sz="2400" dirty="0">
@@ -22111,23 +22448,28 @@
                 <a:latin typeface="Times New Roman" panose="02020603050405020304" pitchFamily="18" charset="0"/>
                 <a:cs typeface="Times New Roman" panose="02020603050405020304" pitchFamily="18" charset="0"/>
               </a:rPr>
-              <a:t> train + valid: 5.39%</a:t>
-            </a:r>
-          </a:p>
-          <a:p>
+              <a:t> valid </a:t>
+            </a:r>
+            <a:r>
+              <a:rPr lang="en-US" sz="2400" dirty="0" err="1">
+                <a:latin typeface="Times New Roman" panose="02020603050405020304" pitchFamily="18" charset="0"/>
+                <a:cs typeface="Times New Roman" panose="02020603050405020304" pitchFamily="18" charset="0"/>
+              </a:rPr>
+              <a:t>là</a:t>
+            </a:r>
             <a:r>
               <a:rPr lang="en-US" sz="2400" dirty="0">
                 <a:latin typeface="Times New Roman" panose="02020603050405020304" pitchFamily="18" charset="0"/>
                 <a:cs typeface="Times New Roman" panose="02020603050405020304" pitchFamily="18" charset="0"/>
               </a:rPr>
-              <a:t>- </a:t>
+              <a:t> 5.56%, alpha </a:t>
             </a:r>
             <a:r>
               <a:rPr lang="en-US" sz="2400" dirty="0" err="1">
                 <a:latin typeface="Times New Roman" panose="02020603050405020304" pitchFamily="18" charset="0"/>
                 <a:cs typeface="Times New Roman" panose="02020603050405020304" pitchFamily="18" charset="0"/>
               </a:rPr>
-              <a:t>Độ</a:t>
+              <a:t>tốt</a:t>
             </a:r>
             <a:r>
               <a:rPr lang="en-US" sz="2400" dirty="0">
@@ -22141,7 +22483,7 @@
                 <a:latin typeface="Times New Roman" panose="02020603050405020304" pitchFamily="18" charset="0"/>
                 <a:cs typeface="Times New Roman" panose="02020603050405020304" pitchFamily="18" charset="0"/>
               </a:rPr>
-              <a:t>lỗi</a:t>
+              <a:t>nhất</a:t>
             </a:r>
             <a:r>
               <a:rPr lang="en-US" sz="2400" dirty="0">
@@ -22155,617 +22497,16 @@
                 <a:latin typeface="Times New Roman" panose="02020603050405020304" pitchFamily="18" charset="0"/>
                 <a:cs typeface="Times New Roman" panose="02020603050405020304" pitchFamily="18" charset="0"/>
               </a:rPr>
-              <a:t>trên</a:t>
+              <a:t>là</a:t>
             </a:r>
             <a:r>
               <a:rPr lang="en-US" sz="2400" dirty="0">
                 <a:latin typeface="Times New Roman" panose="02020603050405020304" pitchFamily="18" charset="0"/>
                 <a:cs typeface="Times New Roman" panose="02020603050405020304" pitchFamily="18" charset="0"/>
               </a:rPr>
-              <a:t> </a:t>
-            </a:r>
-            <a:r>
-              <a:rPr lang="en-US" sz="2400" dirty="0" err="1">
-                <a:latin typeface="Times New Roman" panose="02020603050405020304" pitchFamily="18" charset="0"/>
-                <a:cs typeface="Times New Roman" panose="02020603050405020304" pitchFamily="18" charset="0"/>
-              </a:rPr>
-              <a:t>tập</a:t>
-            </a:r>
-            <a:r>
-              <a:rPr lang="en-US" sz="2400" dirty="0">
-                <a:latin typeface="Times New Roman" panose="02020603050405020304" pitchFamily="18" charset="0"/>
-                <a:cs typeface="Times New Roman" panose="02020603050405020304" pitchFamily="18" charset="0"/>
-              </a:rPr>
-              <a:t> test: 3.09%</a:t>
-            </a:r>
-          </a:p>
-        </p:txBody>
-      </p:sp>
-      <p:sp>
-        <p:nvSpPr>
-          <p:cNvPr id="9" name="Hộp Văn bản 8">
-            <a:extLst>
-              <a:ext uri="{FF2B5EF4-FFF2-40B4-BE49-F238E27FC236}">
-                <a16:creationId xmlns:a16="http://schemas.microsoft.com/office/drawing/2014/main" id="{9BFF9D39-ED9F-441A-8DB8-0C2E7C98CAF3}"/>
-              </a:ext>
-            </a:extLst>
-          </p:cNvPr>
-          <p:cNvSpPr txBox="1"/>
-          <p:nvPr/>
-        </p:nvSpPr>
-        <p:spPr>
-          <a:xfrm>
-            <a:off x="1023778" y="2571750"/>
-            <a:ext cx="7096443" cy="1846659"/>
-          </a:xfrm>
-          <a:prstGeom prst="rect">
-            <a:avLst/>
-          </a:prstGeom>
-          <a:noFill/>
-        </p:spPr>
-        <p:txBody>
-          <a:bodyPr wrap="square">
-            <a:spAutoFit/>
-          </a:bodyPr>
-          <a:lstStyle/>
-          <a:p>
-            <a:pPr algn="l"/>
-            <a:r>
-              <a:rPr lang="en-US" sz="2400" b="1" i="0" dirty="0" err="1">
-                <a:solidFill>
-                  <a:srgbClr val="000000"/>
-                </a:solidFill>
-                <a:effectLst/>
-                <a:latin typeface="Times New Roman" panose="02020603050405020304" pitchFamily="18" charset="0"/>
-                <a:cs typeface="Times New Roman" panose="02020603050405020304" pitchFamily="18" charset="0"/>
-              </a:rPr>
-              <a:t>Nhận</a:t>
-            </a:r>
-            <a:r>
-              <a:rPr lang="en-US" sz="2400" b="1" i="0" dirty="0">
-                <a:solidFill>
-                  <a:srgbClr val="000000"/>
-                </a:solidFill>
-                <a:effectLst/>
-                <a:latin typeface="Times New Roman" panose="02020603050405020304" pitchFamily="18" charset="0"/>
-                <a:cs typeface="Times New Roman" panose="02020603050405020304" pitchFamily="18" charset="0"/>
-              </a:rPr>
-              <a:t> </a:t>
-            </a:r>
-            <a:r>
-              <a:rPr lang="en-US" sz="2400" b="1" i="0" dirty="0" err="1">
-                <a:solidFill>
-                  <a:srgbClr val="000000"/>
-                </a:solidFill>
-                <a:effectLst/>
-                <a:latin typeface="Times New Roman" panose="02020603050405020304" pitchFamily="18" charset="0"/>
-                <a:cs typeface="Times New Roman" panose="02020603050405020304" pitchFamily="18" charset="0"/>
-              </a:rPr>
-              <a:t>xét</a:t>
-            </a:r>
-            <a:endParaRPr lang="en-US" sz="2400" b="1" i="0" dirty="0">
-              <a:solidFill>
-                <a:srgbClr val="000000"/>
-              </a:solidFill>
-              <a:effectLst/>
-              <a:latin typeface="Times New Roman" panose="02020603050405020304" pitchFamily="18" charset="0"/>
-              <a:cs typeface="Times New Roman" panose="02020603050405020304" pitchFamily="18" charset="0"/>
-            </a:endParaRPr>
-          </a:p>
-          <a:p>
-            <a:pPr algn="l"/>
-            <a:r>
-              <a:rPr lang="en-US" sz="2400" b="0" i="0" dirty="0">
-                <a:solidFill>
-                  <a:srgbClr val="000000"/>
-                </a:solidFill>
-                <a:effectLst/>
-                <a:latin typeface="Times New Roman" panose="02020603050405020304" pitchFamily="18" charset="0"/>
-                <a:cs typeface="Times New Roman" panose="02020603050405020304" pitchFamily="18" charset="0"/>
-              </a:rPr>
-              <a:t>- </a:t>
-            </a:r>
-            <a:r>
-              <a:rPr lang="en-US" sz="2400" b="0" i="0" dirty="0" err="1">
-                <a:solidFill>
-                  <a:srgbClr val="000000"/>
-                </a:solidFill>
-                <a:effectLst/>
-                <a:latin typeface="Times New Roman" panose="02020603050405020304" pitchFamily="18" charset="0"/>
-                <a:cs typeface="Times New Roman" panose="02020603050405020304" pitchFamily="18" charset="0"/>
-              </a:rPr>
-              <a:t>Mô</a:t>
-            </a:r>
-            <a:r>
-              <a:rPr lang="en-US" sz="2400" b="0" i="0" dirty="0">
-                <a:solidFill>
-                  <a:srgbClr val="000000"/>
-                </a:solidFill>
-                <a:effectLst/>
-                <a:latin typeface="Times New Roman" panose="02020603050405020304" pitchFamily="18" charset="0"/>
-                <a:cs typeface="Times New Roman" panose="02020603050405020304" pitchFamily="18" charset="0"/>
-              </a:rPr>
-              <a:t> </a:t>
-            </a:r>
-            <a:r>
-              <a:rPr lang="en-US" sz="2400" b="0" i="0" dirty="0" err="1">
-                <a:solidFill>
-                  <a:srgbClr val="000000"/>
-                </a:solidFill>
-                <a:effectLst/>
-                <a:latin typeface="Times New Roman" panose="02020603050405020304" pitchFamily="18" charset="0"/>
-                <a:cs typeface="Times New Roman" panose="02020603050405020304" pitchFamily="18" charset="0"/>
-              </a:rPr>
-              <a:t>hình</a:t>
-            </a:r>
-            <a:r>
-              <a:rPr lang="en-US" sz="2400" b="0" i="0" dirty="0">
-                <a:solidFill>
-                  <a:srgbClr val="000000"/>
-                </a:solidFill>
-                <a:effectLst/>
-                <a:latin typeface="Times New Roman" panose="02020603050405020304" pitchFamily="18" charset="0"/>
-                <a:cs typeface="Times New Roman" panose="02020603050405020304" pitchFamily="18" charset="0"/>
-              </a:rPr>
-              <a:t> MLP-Classifier fit </a:t>
-            </a:r>
-            <a:r>
-              <a:rPr lang="en-US" sz="2400" b="0" i="0" dirty="0" err="1">
-                <a:solidFill>
-                  <a:srgbClr val="000000"/>
-                </a:solidFill>
-                <a:effectLst/>
-                <a:latin typeface="Times New Roman" panose="02020603050405020304" pitchFamily="18" charset="0"/>
-                <a:cs typeface="Times New Roman" panose="02020603050405020304" pitchFamily="18" charset="0"/>
-              </a:rPr>
-              <a:t>khá</a:t>
-            </a:r>
-            <a:r>
-              <a:rPr lang="en-US" sz="2400" b="0" i="0" dirty="0">
-                <a:solidFill>
-                  <a:srgbClr val="000000"/>
-                </a:solidFill>
-                <a:effectLst/>
-                <a:latin typeface="Times New Roman" panose="02020603050405020304" pitchFamily="18" charset="0"/>
-                <a:cs typeface="Times New Roman" panose="02020603050405020304" pitchFamily="18" charset="0"/>
-              </a:rPr>
-              <a:t> </a:t>
-            </a:r>
-            <a:r>
-              <a:rPr lang="en-US" sz="2400" b="0" i="0" dirty="0" err="1">
-                <a:solidFill>
-                  <a:srgbClr val="000000"/>
-                </a:solidFill>
-                <a:effectLst/>
-                <a:latin typeface="Times New Roman" panose="02020603050405020304" pitchFamily="18" charset="0"/>
-                <a:cs typeface="Times New Roman" panose="02020603050405020304" pitchFamily="18" charset="0"/>
-              </a:rPr>
-              <a:t>tốt</a:t>
-            </a:r>
-            <a:r>
-              <a:rPr lang="en-US" sz="2400" b="0" i="0" dirty="0">
-                <a:solidFill>
-                  <a:srgbClr val="000000"/>
-                </a:solidFill>
-                <a:effectLst/>
-                <a:latin typeface="Times New Roman" panose="02020603050405020304" pitchFamily="18" charset="0"/>
-                <a:cs typeface="Times New Roman" panose="02020603050405020304" pitchFamily="18" charset="0"/>
-              </a:rPr>
-              <a:t> </a:t>
-            </a:r>
-            <a:r>
-              <a:rPr lang="en-US" sz="2400" b="0" i="0" dirty="0" err="1">
-                <a:solidFill>
-                  <a:srgbClr val="000000"/>
-                </a:solidFill>
-                <a:effectLst/>
-                <a:latin typeface="Times New Roman" panose="02020603050405020304" pitchFamily="18" charset="0"/>
-                <a:cs typeface="Times New Roman" panose="02020603050405020304" pitchFamily="18" charset="0"/>
-              </a:rPr>
-              <a:t>trên</a:t>
-            </a:r>
-            <a:r>
-              <a:rPr lang="en-US" sz="2400" b="0" i="0" dirty="0">
-                <a:solidFill>
-                  <a:srgbClr val="000000"/>
-                </a:solidFill>
-                <a:effectLst/>
-                <a:latin typeface="Times New Roman" panose="02020603050405020304" pitchFamily="18" charset="0"/>
-                <a:cs typeface="Times New Roman" panose="02020603050405020304" pitchFamily="18" charset="0"/>
-              </a:rPr>
-              <a:t> </a:t>
-            </a:r>
-            <a:r>
-              <a:rPr lang="en-US" sz="2400" b="0" i="0" dirty="0" err="1">
-                <a:solidFill>
-                  <a:srgbClr val="000000"/>
-                </a:solidFill>
-                <a:effectLst/>
-                <a:latin typeface="Times New Roman" panose="02020603050405020304" pitchFamily="18" charset="0"/>
-                <a:cs typeface="Times New Roman" panose="02020603050405020304" pitchFamily="18" charset="0"/>
-              </a:rPr>
-              <a:t>tập</a:t>
-            </a:r>
-            <a:r>
-              <a:rPr lang="en-US" sz="2400" b="0" i="0" dirty="0">
-                <a:solidFill>
-                  <a:srgbClr val="000000"/>
-                </a:solidFill>
-                <a:effectLst/>
-                <a:latin typeface="Times New Roman" panose="02020603050405020304" pitchFamily="18" charset="0"/>
-                <a:cs typeface="Times New Roman" panose="02020603050405020304" pitchFamily="18" charset="0"/>
-              </a:rPr>
-              <a:t> </a:t>
-            </a:r>
-            <a:r>
-              <a:rPr lang="en-US" sz="2400" b="0" i="0" dirty="0" err="1">
-                <a:solidFill>
-                  <a:srgbClr val="000000"/>
-                </a:solidFill>
-                <a:effectLst/>
-                <a:latin typeface="Times New Roman" panose="02020603050405020304" pitchFamily="18" charset="0"/>
-                <a:cs typeface="Times New Roman" panose="02020603050405020304" pitchFamily="18" charset="0"/>
-              </a:rPr>
-              <a:t>dữ</a:t>
-            </a:r>
-            <a:r>
-              <a:rPr lang="en-US" sz="2400" b="0" i="0" dirty="0">
-                <a:solidFill>
-                  <a:srgbClr val="000000"/>
-                </a:solidFill>
-                <a:effectLst/>
-                <a:latin typeface="Times New Roman" panose="02020603050405020304" pitchFamily="18" charset="0"/>
-                <a:cs typeface="Times New Roman" panose="02020603050405020304" pitchFamily="18" charset="0"/>
-              </a:rPr>
-              <a:t> </a:t>
-            </a:r>
-            <a:r>
-              <a:rPr lang="en-US" sz="2400" b="0" i="0" dirty="0" err="1">
-                <a:solidFill>
-                  <a:srgbClr val="000000"/>
-                </a:solidFill>
-                <a:effectLst/>
-                <a:latin typeface="Times New Roman" panose="02020603050405020304" pitchFamily="18" charset="0"/>
-                <a:cs typeface="Times New Roman" panose="02020603050405020304" pitchFamily="18" charset="0"/>
-              </a:rPr>
-              <a:t>liệu</a:t>
+              <a:t> 0.00002</a:t>
             </a:r>
             <a:endParaRPr lang="en-US" sz="2400" b="0" i="0" dirty="0">
-              <a:solidFill>
-                <a:srgbClr val="000000"/>
-              </a:solidFill>
-              <a:effectLst/>
-              <a:latin typeface="Times New Roman" panose="02020603050405020304" pitchFamily="18" charset="0"/>
-              <a:cs typeface="Times New Roman" panose="02020603050405020304" pitchFamily="18" charset="0"/>
-            </a:endParaRPr>
-          </a:p>
-          <a:p>
-            <a:pPr algn="l"/>
-            <a:r>
-              <a:rPr lang="en-US" sz="2400" b="0" i="0" dirty="0">
-                <a:solidFill>
-                  <a:srgbClr val="000000"/>
-                </a:solidFill>
-                <a:effectLst/>
-                <a:latin typeface="Times New Roman" panose="02020603050405020304" pitchFamily="18" charset="0"/>
-                <a:cs typeface="Times New Roman" panose="02020603050405020304" pitchFamily="18" charset="0"/>
-              </a:rPr>
-              <a:t>- </a:t>
-            </a:r>
-            <a:r>
-              <a:rPr lang="en-US" sz="2400" b="0" i="0" dirty="0" err="1">
-                <a:solidFill>
-                  <a:srgbClr val="000000"/>
-                </a:solidFill>
-                <a:effectLst/>
-                <a:latin typeface="Times New Roman" panose="02020603050405020304" pitchFamily="18" charset="0"/>
-                <a:cs typeface="Times New Roman" panose="02020603050405020304" pitchFamily="18" charset="0"/>
-              </a:rPr>
-              <a:t>Độ</a:t>
-            </a:r>
-            <a:r>
-              <a:rPr lang="en-US" sz="2400" b="0" i="0" dirty="0">
-                <a:solidFill>
-                  <a:srgbClr val="000000"/>
-                </a:solidFill>
-                <a:effectLst/>
-                <a:latin typeface="Times New Roman" panose="02020603050405020304" pitchFamily="18" charset="0"/>
-                <a:cs typeface="Times New Roman" panose="02020603050405020304" pitchFamily="18" charset="0"/>
-              </a:rPr>
-              <a:t> </a:t>
-            </a:r>
-            <a:r>
-              <a:rPr lang="en-US" sz="2400" b="0" i="0" dirty="0" err="1">
-                <a:solidFill>
-                  <a:srgbClr val="000000"/>
-                </a:solidFill>
-                <a:effectLst/>
-                <a:latin typeface="Times New Roman" panose="02020603050405020304" pitchFamily="18" charset="0"/>
-                <a:cs typeface="Times New Roman" panose="02020603050405020304" pitchFamily="18" charset="0"/>
-              </a:rPr>
-              <a:t>lỗi</a:t>
-            </a:r>
-            <a:r>
-              <a:rPr lang="en-US" sz="2400" b="0" i="0" dirty="0">
-                <a:solidFill>
-                  <a:srgbClr val="000000"/>
-                </a:solidFill>
-                <a:effectLst/>
-                <a:latin typeface="Times New Roman" panose="02020603050405020304" pitchFamily="18" charset="0"/>
-                <a:cs typeface="Times New Roman" panose="02020603050405020304" pitchFamily="18" charset="0"/>
-              </a:rPr>
-              <a:t> </a:t>
-            </a:r>
-            <a:r>
-              <a:rPr lang="en-US" sz="2400" b="0" i="0" dirty="0" err="1">
-                <a:solidFill>
-                  <a:srgbClr val="000000"/>
-                </a:solidFill>
-                <a:effectLst/>
-                <a:latin typeface="Times New Roman" panose="02020603050405020304" pitchFamily="18" charset="0"/>
-                <a:cs typeface="Times New Roman" panose="02020603050405020304" pitchFamily="18" charset="0"/>
-              </a:rPr>
-              <a:t>trên</a:t>
-            </a:r>
-            <a:r>
-              <a:rPr lang="en-US" sz="2400" b="0" i="0" dirty="0">
-                <a:solidFill>
-                  <a:srgbClr val="000000"/>
-                </a:solidFill>
-                <a:effectLst/>
-                <a:latin typeface="Times New Roman" panose="02020603050405020304" pitchFamily="18" charset="0"/>
-                <a:cs typeface="Times New Roman" panose="02020603050405020304" pitchFamily="18" charset="0"/>
-              </a:rPr>
-              <a:t> </a:t>
-            </a:r>
-            <a:r>
-              <a:rPr lang="en-US" sz="2400" b="0" i="0" dirty="0" err="1">
-                <a:solidFill>
-                  <a:srgbClr val="000000"/>
-                </a:solidFill>
-                <a:effectLst/>
-                <a:latin typeface="Times New Roman" panose="02020603050405020304" pitchFamily="18" charset="0"/>
-                <a:cs typeface="Times New Roman" panose="02020603050405020304" pitchFamily="18" charset="0"/>
-              </a:rPr>
-              <a:t>tập</a:t>
-            </a:r>
-            <a:r>
-              <a:rPr lang="en-US" sz="2400" b="0" i="0" dirty="0">
-                <a:solidFill>
-                  <a:srgbClr val="000000"/>
-                </a:solidFill>
-                <a:effectLst/>
-                <a:latin typeface="Times New Roman" panose="02020603050405020304" pitchFamily="18" charset="0"/>
-                <a:cs typeface="Times New Roman" panose="02020603050405020304" pitchFamily="18" charset="0"/>
-              </a:rPr>
-              <a:t> valid </a:t>
-            </a:r>
-            <a:r>
-              <a:rPr lang="en-US" sz="2400" b="0" i="0" dirty="0" err="1">
-                <a:solidFill>
-                  <a:srgbClr val="000000"/>
-                </a:solidFill>
-                <a:effectLst/>
-                <a:latin typeface="Times New Roman" panose="02020603050405020304" pitchFamily="18" charset="0"/>
-                <a:cs typeface="Times New Roman" panose="02020603050405020304" pitchFamily="18" charset="0"/>
-              </a:rPr>
-              <a:t>tỉ</a:t>
-            </a:r>
-            <a:r>
-              <a:rPr lang="en-US" sz="2400" b="0" i="0" dirty="0">
-                <a:solidFill>
-                  <a:srgbClr val="000000"/>
-                </a:solidFill>
-                <a:effectLst/>
-                <a:latin typeface="Times New Roman" panose="02020603050405020304" pitchFamily="18" charset="0"/>
-                <a:cs typeface="Times New Roman" panose="02020603050405020304" pitchFamily="18" charset="0"/>
-              </a:rPr>
-              <a:t> </a:t>
-            </a:r>
-            <a:r>
-              <a:rPr lang="en-US" sz="2400" b="0" i="0" dirty="0" err="1">
-                <a:solidFill>
-                  <a:srgbClr val="000000"/>
-                </a:solidFill>
-                <a:effectLst/>
-                <a:latin typeface="Times New Roman" panose="02020603050405020304" pitchFamily="18" charset="0"/>
-                <a:cs typeface="Times New Roman" panose="02020603050405020304" pitchFamily="18" charset="0"/>
-              </a:rPr>
-              <a:t>lệ</a:t>
-            </a:r>
-            <a:r>
-              <a:rPr lang="en-US" sz="2400" b="0" i="0" dirty="0">
-                <a:solidFill>
-                  <a:srgbClr val="000000"/>
-                </a:solidFill>
-                <a:effectLst/>
-                <a:latin typeface="Times New Roman" panose="02020603050405020304" pitchFamily="18" charset="0"/>
-                <a:cs typeface="Times New Roman" panose="02020603050405020304" pitchFamily="18" charset="0"/>
-              </a:rPr>
-              <a:t> </a:t>
-            </a:r>
-            <a:r>
-              <a:rPr lang="en-US" sz="2400" b="0" i="0" dirty="0" err="1">
-                <a:solidFill>
-                  <a:srgbClr val="000000"/>
-                </a:solidFill>
-                <a:effectLst/>
-                <a:latin typeface="Times New Roman" panose="02020603050405020304" pitchFamily="18" charset="0"/>
-                <a:cs typeface="Times New Roman" panose="02020603050405020304" pitchFamily="18" charset="0"/>
-              </a:rPr>
-              <a:t>thuận</a:t>
-            </a:r>
-            <a:r>
-              <a:rPr lang="en-US" sz="2400" b="0" i="0" dirty="0">
-                <a:solidFill>
-                  <a:srgbClr val="000000"/>
-                </a:solidFill>
-                <a:effectLst/>
-                <a:latin typeface="Times New Roman" panose="02020603050405020304" pitchFamily="18" charset="0"/>
-                <a:cs typeface="Times New Roman" panose="02020603050405020304" pitchFamily="18" charset="0"/>
-              </a:rPr>
-              <a:t> </a:t>
-            </a:r>
-            <a:r>
-              <a:rPr lang="en-US" sz="2400" b="0" i="0" dirty="0" err="1">
-                <a:solidFill>
-                  <a:srgbClr val="000000"/>
-                </a:solidFill>
-                <a:effectLst/>
-                <a:latin typeface="Times New Roman" panose="02020603050405020304" pitchFamily="18" charset="0"/>
-                <a:cs typeface="Times New Roman" panose="02020603050405020304" pitchFamily="18" charset="0"/>
-              </a:rPr>
-              <a:t>với</a:t>
-            </a:r>
-            <a:r>
-              <a:rPr lang="en-US" sz="2400" b="0" i="0" dirty="0">
-                <a:solidFill>
-                  <a:srgbClr val="000000"/>
-                </a:solidFill>
-                <a:effectLst/>
-                <a:latin typeface="Times New Roman" panose="02020603050405020304" pitchFamily="18" charset="0"/>
-                <a:cs typeface="Times New Roman" panose="02020603050405020304" pitchFamily="18" charset="0"/>
-              </a:rPr>
-              <a:t> alpha </a:t>
-            </a:r>
-            <a:r>
-              <a:rPr lang="en-US" sz="2400" b="0" i="0" dirty="0" err="1">
-                <a:solidFill>
-                  <a:srgbClr val="000000"/>
-                </a:solidFill>
-                <a:effectLst/>
-                <a:latin typeface="Times New Roman" panose="02020603050405020304" pitchFamily="18" charset="0"/>
-                <a:cs typeface="Times New Roman" panose="02020603050405020304" pitchFamily="18" charset="0"/>
-              </a:rPr>
-              <a:t>trên</a:t>
-            </a:r>
-            <a:r>
-              <a:rPr lang="en-US" sz="2400" b="0" i="0" dirty="0">
-                <a:solidFill>
-                  <a:srgbClr val="000000"/>
-                </a:solidFill>
-                <a:effectLst/>
-                <a:latin typeface="Times New Roman" panose="02020603050405020304" pitchFamily="18" charset="0"/>
-                <a:cs typeface="Times New Roman" panose="02020603050405020304" pitchFamily="18" charset="0"/>
-              </a:rPr>
-              <a:t> </a:t>
-            </a:r>
-            <a:r>
-              <a:rPr lang="en-US" sz="2400" b="0" i="0" dirty="0" err="1">
-                <a:solidFill>
-                  <a:srgbClr val="000000"/>
-                </a:solidFill>
-                <a:effectLst/>
-                <a:latin typeface="Times New Roman" panose="02020603050405020304" pitchFamily="18" charset="0"/>
-                <a:cs typeface="Times New Roman" panose="02020603050405020304" pitchFamily="18" charset="0"/>
-              </a:rPr>
-              <a:t>cả</a:t>
-            </a:r>
-            <a:r>
-              <a:rPr lang="en-US" sz="2400" b="0" i="0" dirty="0">
-                <a:solidFill>
-                  <a:srgbClr val="000000"/>
-                </a:solidFill>
-                <a:effectLst/>
-                <a:latin typeface="Times New Roman" panose="02020603050405020304" pitchFamily="18" charset="0"/>
-                <a:cs typeface="Times New Roman" panose="02020603050405020304" pitchFamily="18" charset="0"/>
-              </a:rPr>
-              <a:t> </a:t>
-            </a:r>
-            <a:r>
-              <a:rPr lang="en-US" sz="2400" b="0" i="0" dirty="0" err="1">
-                <a:solidFill>
-                  <a:srgbClr val="000000"/>
-                </a:solidFill>
-                <a:effectLst/>
-                <a:latin typeface="Times New Roman" panose="02020603050405020304" pitchFamily="18" charset="0"/>
-                <a:cs typeface="Times New Roman" panose="02020603050405020304" pitchFamily="18" charset="0"/>
-              </a:rPr>
-              <a:t>tập</a:t>
-            </a:r>
-            <a:r>
-              <a:rPr lang="en-US" sz="2400" b="0" i="0" dirty="0">
-                <a:solidFill>
-                  <a:srgbClr val="000000"/>
-                </a:solidFill>
-                <a:effectLst/>
-                <a:latin typeface="Times New Roman" panose="02020603050405020304" pitchFamily="18" charset="0"/>
-                <a:cs typeface="Times New Roman" panose="02020603050405020304" pitchFamily="18" charset="0"/>
-              </a:rPr>
-              <a:t> (</a:t>
-            </a:r>
-            <a:r>
-              <a:rPr lang="en-US" sz="2400" b="0" i="0" dirty="0" err="1">
-                <a:solidFill>
-                  <a:srgbClr val="000000"/>
-                </a:solidFill>
-                <a:effectLst/>
-                <a:latin typeface="Times New Roman" panose="02020603050405020304" pitchFamily="18" charset="0"/>
-                <a:cs typeface="Times New Roman" panose="02020603050405020304" pitchFamily="18" charset="0"/>
-              </a:rPr>
-              <a:t>train+val</a:t>
-            </a:r>
-            <a:r>
-              <a:rPr lang="en-US" sz="2400" b="0" i="0" dirty="0">
-                <a:solidFill>
-                  <a:srgbClr val="000000"/>
-                </a:solidFill>
-                <a:effectLst/>
-                <a:latin typeface="Times New Roman" panose="02020603050405020304" pitchFamily="18" charset="0"/>
-                <a:cs typeface="Times New Roman" panose="02020603050405020304" pitchFamily="18" charset="0"/>
-              </a:rPr>
-              <a:t>) </a:t>
-            </a:r>
-            <a:r>
-              <a:rPr lang="en-US" sz="2400" b="0" i="0" dirty="0" err="1">
-                <a:solidFill>
-                  <a:srgbClr val="000000"/>
-                </a:solidFill>
-                <a:effectLst/>
-                <a:latin typeface="Times New Roman" panose="02020603050405020304" pitchFamily="18" charset="0"/>
-                <a:cs typeface="Times New Roman" panose="02020603050405020304" pitchFamily="18" charset="0"/>
-              </a:rPr>
-              <a:t>và</a:t>
-            </a:r>
-            <a:r>
-              <a:rPr lang="en-US" sz="2400" b="0" i="0" dirty="0">
-                <a:solidFill>
-                  <a:srgbClr val="000000"/>
-                </a:solidFill>
-                <a:effectLst/>
-                <a:latin typeface="Times New Roman" panose="02020603050405020304" pitchFamily="18" charset="0"/>
-                <a:cs typeface="Times New Roman" panose="02020603050405020304" pitchFamily="18" charset="0"/>
-              </a:rPr>
-              <a:t> </a:t>
-            </a:r>
-            <a:r>
-              <a:rPr lang="en-US" sz="2400" b="0" i="0" dirty="0" err="1">
-                <a:solidFill>
-                  <a:srgbClr val="000000"/>
-                </a:solidFill>
-                <a:effectLst/>
-                <a:latin typeface="Times New Roman" panose="02020603050405020304" pitchFamily="18" charset="0"/>
-                <a:cs typeface="Times New Roman" panose="02020603050405020304" pitchFamily="18" charset="0"/>
-              </a:rPr>
-              <a:t>tập</a:t>
-            </a:r>
-            <a:r>
-              <a:rPr lang="en-US" sz="2400" b="0" i="0" dirty="0">
-                <a:solidFill>
-                  <a:srgbClr val="000000"/>
-                </a:solidFill>
-                <a:effectLst/>
-                <a:latin typeface="Times New Roman" panose="02020603050405020304" pitchFamily="18" charset="0"/>
-                <a:cs typeface="Times New Roman" panose="02020603050405020304" pitchFamily="18" charset="0"/>
-              </a:rPr>
-              <a:t> test</a:t>
-            </a:r>
-          </a:p>
-          <a:p>
-            <a:pPr marL="0" indent="0">
-              <a:buNone/>
-            </a:pPr>
-            <a:endParaRPr lang="en-US" sz="1800" dirty="0">
               <a:latin typeface="Times New Roman" panose="02020603050405020304" pitchFamily="18" charset="0"/>
               <a:cs typeface="Times New Roman" panose="02020603050405020304" pitchFamily="18" charset="0"/>
             </a:endParaRPr>
@@ -22775,7 +22516,7 @@
     </p:spTree>
     <p:extLst>
       <p:ext uri="{BB962C8B-B14F-4D97-AF65-F5344CB8AC3E}">
-        <p14:creationId xmlns:p14="http://schemas.microsoft.com/office/powerpoint/2010/main" val="2991592677"/>
+        <p14:creationId xmlns:p14="http://schemas.microsoft.com/office/powerpoint/2010/main" val="573723856"/>
       </p:ext>
     </p:extLst>
   </p:cSld>
@@ -23044,334 +22785,198 @@
           <a:bodyPr/>
           <a:lstStyle/>
           <a:p>
-            <a:pPr algn="l"/>
-            <a:r>
-              <a:rPr lang="vi-VN" sz="2000" b="1" i="0" dirty="0" err="1">
-                <a:solidFill>
-                  <a:srgbClr val="000000"/>
-                </a:solidFill>
-                <a:effectLst/>
-                <a:latin typeface="+mj-lt"/>
-              </a:rPr>
-              <a:t>Trực</a:t>
-            </a:r>
-            <a:r>
-              <a:rPr lang="vi-VN" sz="2000" b="1" i="0" dirty="0">
-                <a:solidFill>
-                  <a:srgbClr val="000000"/>
-                </a:solidFill>
-                <a:effectLst/>
-                <a:latin typeface="+mj-lt"/>
-              </a:rPr>
-              <a:t> quan </a:t>
-            </a:r>
-            <a:r>
-              <a:rPr lang="vi-VN" sz="2000" b="1" i="0" dirty="0" err="1">
-                <a:solidFill>
-                  <a:srgbClr val="000000"/>
-                </a:solidFill>
-                <a:effectLst/>
-                <a:latin typeface="+mj-lt"/>
-              </a:rPr>
-              <a:t>hóa</a:t>
-            </a:r>
-            <a:r>
-              <a:rPr lang="vi-VN" sz="2000" b="1" i="0" dirty="0">
-                <a:solidFill>
-                  <a:srgbClr val="000000"/>
-                </a:solidFill>
-                <a:effectLst/>
-                <a:latin typeface="+mj-lt"/>
-              </a:rPr>
-              <a:t> </a:t>
-            </a:r>
-            <a:r>
-              <a:rPr lang="vi-VN" sz="2000" b="1" i="0" dirty="0" err="1">
-                <a:solidFill>
-                  <a:srgbClr val="000000"/>
-                </a:solidFill>
-                <a:effectLst/>
-                <a:latin typeface="+mj-lt"/>
-              </a:rPr>
-              <a:t>độ</a:t>
-            </a:r>
-            <a:r>
-              <a:rPr lang="vi-VN" sz="2000" b="1" i="0" dirty="0">
-                <a:solidFill>
-                  <a:srgbClr val="000000"/>
-                </a:solidFill>
-                <a:effectLst/>
-                <a:latin typeface="+mj-lt"/>
-              </a:rPr>
-              <a:t> </a:t>
-            </a:r>
-            <a:r>
-              <a:rPr lang="vi-VN" sz="2000" b="1" i="0" dirty="0" err="1">
-                <a:solidFill>
-                  <a:srgbClr val="000000"/>
-                </a:solidFill>
-                <a:effectLst/>
-                <a:latin typeface="+mj-lt"/>
-              </a:rPr>
-              <a:t>lỗi</a:t>
-            </a:r>
-            <a:r>
-              <a:rPr lang="vi-VN" sz="2000" b="1" i="0" dirty="0">
-                <a:solidFill>
-                  <a:srgbClr val="000000"/>
-                </a:solidFill>
-                <a:effectLst/>
-                <a:latin typeface="+mj-lt"/>
-              </a:rPr>
-              <a:t> </a:t>
-            </a:r>
-            <a:r>
-              <a:rPr lang="vi-VN" sz="2000" b="1" i="0" dirty="0" err="1">
-                <a:solidFill>
-                  <a:srgbClr val="000000"/>
-                </a:solidFill>
-                <a:effectLst/>
-                <a:latin typeface="+mj-lt"/>
-              </a:rPr>
-              <a:t>của</a:t>
-            </a:r>
-            <a:r>
-              <a:rPr lang="vi-VN" sz="2000" b="1" i="0" dirty="0">
-                <a:solidFill>
-                  <a:srgbClr val="000000"/>
-                </a:solidFill>
-                <a:effectLst/>
-                <a:latin typeface="+mj-lt"/>
-              </a:rPr>
-              <a:t> </a:t>
-            </a:r>
-            <a:r>
-              <a:rPr lang="vi-VN" sz="2000" b="1" i="0" dirty="0" err="1">
-                <a:solidFill>
-                  <a:srgbClr val="000000"/>
-                </a:solidFill>
-                <a:effectLst/>
-                <a:latin typeface="+mj-lt"/>
-              </a:rPr>
-              <a:t>các</a:t>
-            </a:r>
-            <a:r>
-              <a:rPr lang="vi-VN" sz="2000" b="1" i="0" dirty="0">
-                <a:solidFill>
-                  <a:srgbClr val="000000"/>
-                </a:solidFill>
-                <a:effectLst/>
-                <a:latin typeface="+mj-lt"/>
-              </a:rPr>
-              <a:t> </a:t>
-            </a:r>
-            <a:r>
-              <a:rPr lang="vi-VN" sz="2000" b="1" i="0" dirty="0" err="1">
-                <a:solidFill>
-                  <a:srgbClr val="000000"/>
-                </a:solidFill>
-                <a:effectLst/>
-                <a:latin typeface="+mj-lt"/>
-              </a:rPr>
-              <a:t>tập</a:t>
-            </a:r>
-            <a:r>
-              <a:rPr lang="vi-VN" sz="2000" b="1" i="0" dirty="0">
-                <a:solidFill>
-                  <a:srgbClr val="000000"/>
-                </a:solidFill>
-                <a:effectLst/>
-                <a:latin typeface="+mj-lt"/>
-              </a:rPr>
-              <a:t> trên </a:t>
-            </a:r>
-            <a:r>
-              <a:rPr lang="vi-VN" sz="2000" b="1" i="0" dirty="0" err="1">
-                <a:solidFill>
-                  <a:srgbClr val="000000"/>
-                </a:solidFill>
-                <a:effectLst/>
-                <a:latin typeface="+mj-lt"/>
-              </a:rPr>
-              <a:t>miền</a:t>
-            </a:r>
-            <a:r>
-              <a:rPr lang="vi-VN" sz="2000" b="1" i="0" dirty="0">
-                <a:solidFill>
-                  <a:srgbClr val="000000"/>
-                </a:solidFill>
-                <a:effectLst/>
-                <a:latin typeface="+mj-lt"/>
-              </a:rPr>
-              <a:t> </a:t>
-            </a:r>
-            <a:r>
-              <a:rPr lang="vi-VN" sz="2000" b="1" i="0" dirty="0" err="1">
-                <a:solidFill>
-                  <a:srgbClr val="000000"/>
-                </a:solidFill>
-                <a:effectLst/>
-                <a:latin typeface="+mj-lt"/>
-              </a:rPr>
-              <a:t>giá</a:t>
-            </a:r>
-            <a:r>
-              <a:rPr lang="vi-VN" sz="2000" b="1" i="0" dirty="0">
-                <a:solidFill>
-                  <a:srgbClr val="000000"/>
-                </a:solidFill>
-                <a:effectLst/>
-                <a:latin typeface="+mj-lt"/>
-              </a:rPr>
-              <a:t> </a:t>
-            </a:r>
-            <a:r>
-              <a:rPr lang="vi-VN" sz="2000" b="1" i="0" dirty="0" err="1">
-                <a:solidFill>
-                  <a:srgbClr val="000000"/>
-                </a:solidFill>
-                <a:effectLst/>
-                <a:latin typeface="+mj-lt"/>
-              </a:rPr>
-              <a:t>trị</a:t>
-            </a:r>
-            <a:r>
-              <a:rPr lang="vi-VN" sz="2000" b="1" i="0" dirty="0">
-                <a:solidFill>
-                  <a:srgbClr val="000000"/>
-                </a:solidFill>
-                <a:effectLst/>
-                <a:latin typeface="+mj-lt"/>
-              </a:rPr>
-              <a:t> </a:t>
-            </a:r>
-            <a:r>
-              <a:rPr lang="vi-VN" sz="2000" b="1" i="0" dirty="0" err="1">
-                <a:solidFill>
-                  <a:srgbClr val="000000"/>
-                </a:solidFill>
-                <a:effectLst/>
-                <a:latin typeface="+mj-lt"/>
-              </a:rPr>
-              <a:t>alpha</a:t>
-            </a:r>
-            <a:r>
-              <a:rPr lang="vi-VN" sz="2000" b="1" i="0" dirty="0">
-                <a:solidFill>
-                  <a:srgbClr val="000000"/>
-                </a:solidFill>
-                <a:effectLst/>
-                <a:latin typeface="+mj-lt"/>
-              </a:rPr>
-              <a:t> </a:t>
-            </a:r>
-            <a:r>
-              <a:rPr lang="vi-VN" sz="2000" b="1" i="0" dirty="0" err="1">
-                <a:solidFill>
-                  <a:srgbClr val="000000"/>
-                </a:solidFill>
-                <a:effectLst/>
-                <a:latin typeface="+mj-lt"/>
-              </a:rPr>
-              <a:t>được</a:t>
-            </a:r>
-            <a:r>
-              <a:rPr lang="vi-VN" sz="2000" b="1" i="0" dirty="0">
-                <a:solidFill>
-                  <a:srgbClr val="000000"/>
-                </a:solidFill>
-                <a:effectLst/>
-                <a:latin typeface="+mj-lt"/>
-              </a:rPr>
-              <a:t> phân </a:t>
-            </a:r>
-            <a:r>
-              <a:rPr lang="vi-VN" sz="2000" b="1" i="0" dirty="0" err="1">
-                <a:solidFill>
-                  <a:srgbClr val="000000"/>
-                </a:solidFill>
-                <a:effectLst/>
-                <a:latin typeface="+mj-lt"/>
-              </a:rPr>
-              <a:t>nhỏ</a:t>
-            </a:r>
-            <a:r>
-              <a:rPr lang="vi-VN" sz="2000" b="1" i="0" dirty="0">
-                <a:solidFill>
-                  <a:srgbClr val="000000"/>
-                </a:solidFill>
-                <a:effectLst/>
-                <a:latin typeface="+mj-lt"/>
-              </a:rPr>
-              <a:t> hơn</a:t>
+            <a:r>
+              <a:rPr lang="en-US" sz="2800" i="0"/>
+              <a:t>Huấn luyện lại mô hình với cả tập train và tập valid</a:t>
             </a:r>
           </a:p>
         </p:txBody>
       </p:sp>
-      <p:pic>
-        <p:nvPicPr>
-          <p:cNvPr id="5" name="Hình ảnh 4">
+      <p:sp>
+        <p:nvSpPr>
+          <p:cNvPr id="7" name="Hộp Văn bản 6">
             <a:extLst>
               <a:ext uri="{FF2B5EF4-FFF2-40B4-BE49-F238E27FC236}">
-                <a16:creationId xmlns:a16="http://schemas.microsoft.com/office/drawing/2014/main" id="{CCCCB9CE-86A2-4835-9AA8-EF76CAF30F3B}"/>
+                <a16:creationId xmlns:a16="http://schemas.microsoft.com/office/drawing/2014/main" id="{E2042F00-EAE9-47F5-B429-51DB43C78D9B}"/>
               </a:ext>
             </a:extLst>
           </p:cNvPr>
-          <p:cNvPicPr>
-            <a:picLocks noChangeAspect="1"/>
-          </p:cNvPicPr>
+          <p:cNvSpPr txBox="1"/>
           <p:nvPr/>
-        </p:nvPicPr>
-        <p:blipFill>
-          <a:blip r:embed="rId3"/>
-          <a:stretch>
-            <a:fillRect/>
-          </a:stretch>
-        </p:blipFill>
+        </p:nvSpPr>
         <p:spPr>
           <a:xfrm>
-            <a:off x="94754" y="1270210"/>
-            <a:ext cx="4700530" cy="3386849"/>
+            <a:off x="615309" y="1131711"/>
+            <a:ext cx="7837509" cy="2800767"/>
           </a:xfrm>
           <a:prstGeom prst="rect">
             <a:avLst/>
           </a:prstGeom>
+          <a:noFill/>
         </p:spPr>
-      </p:pic>
-      <p:pic>
-        <p:nvPicPr>
-          <p:cNvPr id="8" name="Hình ảnh 7">
-            <a:extLst>
-              <a:ext uri="{FF2B5EF4-FFF2-40B4-BE49-F238E27FC236}">
-                <a16:creationId xmlns:a16="http://schemas.microsoft.com/office/drawing/2014/main" id="{28A7122D-E105-45DD-A546-36729CDBFE79}"/>
-              </a:ext>
-            </a:extLst>
-          </p:cNvPr>
-          <p:cNvPicPr>
-            <a:picLocks noChangeAspect="1"/>
-          </p:cNvPicPr>
-          <p:nvPr/>
-        </p:nvPicPr>
-        <p:blipFill>
-          <a:blip r:embed="rId4"/>
-          <a:stretch>
-            <a:fillRect/>
-          </a:stretch>
-        </p:blipFill>
-        <p:spPr>
-          <a:xfrm>
-            <a:off x="4572000" y="1270209"/>
-            <a:ext cx="4572000" cy="3386849"/>
-          </a:xfrm>
-          <a:prstGeom prst="rect">
-            <a:avLst/>
-          </a:prstGeom>
-        </p:spPr>
-      </p:pic>
+        <p:txBody>
+          <a:bodyPr wrap="square">
+            <a:spAutoFit/>
+          </a:bodyPr>
+          <a:lstStyle/>
+          <a:p>
+            <a:pPr marL="0" indent="0">
+              <a:buNone/>
+            </a:pPr>
+            <a:r>
+              <a:rPr lang="en-US" sz="4400" dirty="0" err="1">
+                <a:latin typeface="Times New Roman" panose="02020603050405020304" pitchFamily="18" charset="0"/>
+                <a:cs typeface="Times New Roman" panose="02020603050405020304" pitchFamily="18" charset="0"/>
+              </a:rPr>
+              <a:t>Với</a:t>
+            </a:r>
+            <a:r>
+              <a:rPr lang="en-US" sz="4400" dirty="0">
+                <a:latin typeface="Times New Roman" panose="02020603050405020304" pitchFamily="18" charset="0"/>
+                <a:cs typeface="Times New Roman" panose="02020603050405020304" pitchFamily="18" charset="0"/>
+              </a:rPr>
+              <a:t> alpha = 0.00002:</a:t>
+            </a:r>
+          </a:p>
+          <a:p>
+            <a:pPr marL="0" indent="0">
+              <a:buNone/>
+            </a:pPr>
+            <a:r>
+              <a:rPr lang="en-US" sz="4400" dirty="0">
+                <a:latin typeface="Times New Roman" panose="02020603050405020304" pitchFamily="18" charset="0"/>
+                <a:cs typeface="Times New Roman" panose="02020603050405020304" pitchFamily="18" charset="0"/>
+              </a:rPr>
+              <a:t>- </a:t>
+            </a:r>
+            <a:r>
+              <a:rPr lang="en-US" sz="4400" dirty="0" err="1">
+                <a:latin typeface="Times New Roman" panose="02020603050405020304" pitchFamily="18" charset="0"/>
+                <a:cs typeface="Times New Roman" panose="02020603050405020304" pitchFamily="18" charset="0"/>
+              </a:rPr>
+              <a:t>Độ</a:t>
+            </a:r>
+            <a:r>
+              <a:rPr lang="en-US" sz="4400" dirty="0">
+                <a:latin typeface="Times New Roman" panose="02020603050405020304" pitchFamily="18" charset="0"/>
+                <a:cs typeface="Times New Roman" panose="02020603050405020304" pitchFamily="18" charset="0"/>
+              </a:rPr>
+              <a:t> </a:t>
+            </a:r>
+            <a:r>
+              <a:rPr lang="en-US" sz="4400" dirty="0" err="1">
+                <a:latin typeface="Times New Roman" panose="02020603050405020304" pitchFamily="18" charset="0"/>
+                <a:cs typeface="Times New Roman" panose="02020603050405020304" pitchFamily="18" charset="0"/>
+              </a:rPr>
+              <a:t>lỗi</a:t>
+            </a:r>
+            <a:r>
+              <a:rPr lang="en-US" sz="4400" dirty="0">
+                <a:latin typeface="Times New Roman" panose="02020603050405020304" pitchFamily="18" charset="0"/>
+                <a:cs typeface="Times New Roman" panose="02020603050405020304" pitchFamily="18" charset="0"/>
+              </a:rPr>
+              <a:t> </a:t>
+            </a:r>
+            <a:r>
+              <a:rPr lang="en-US" sz="4400" dirty="0" err="1">
+                <a:latin typeface="Times New Roman" panose="02020603050405020304" pitchFamily="18" charset="0"/>
+                <a:cs typeface="Times New Roman" panose="02020603050405020304" pitchFamily="18" charset="0"/>
+              </a:rPr>
+              <a:t>trên</a:t>
+            </a:r>
+            <a:r>
+              <a:rPr lang="en-US" sz="4400" dirty="0">
+                <a:latin typeface="Times New Roman" panose="02020603050405020304" pitchFamily="18" charset="0"/>
+                <a:cs typeface="Times New Roman" panose="02020603050405020304" pitchFamily="18" charset="0"/>
+              </a:rPr>
+              <a:t> </a:t>
+            </a:r>
+            <a:r>
+              <a:rPr lang="en-US" sz="4400" dirty="0" err="1">
+                <a:latin typeface="Times New Roman" panose="02020603050405020304" pitchFamily="18" charset="0"/>
+                <a:cs typeface="Times New Roman" panose="02020603050405020304" pitchFamily="18" charset="0"/>
+              </a:rPr>
+              <a:t>tập</a:t>
+            </a:r>
+            <a:r>
+              <a:rPr lang="en-US" sz="4400" dirty="0">
+                <a:latin typeface="Times New Roman" panose="02020603050405020304" pitchFamily="18" charset="0"/>
+                <a:cs typeface="Times New Roman" panose="02020603050405020304" pitchFamily="18" charset="0"/>
+              </a:rPr>
+              <a:t> train + valid: 3.81%</a:t>
+            </a:r>
+          </a:p>
+          <a:p>
+            <a:r>
+              <a:rPr lang="en-US" sz="4400" dirty="0">
+                <a:latin typeface="Times New Roman" panose="02020603050405020304" pitchFamily="18" charset="0"/>
+                <a:cs typeface="Times New Roman" panose="02020603050405020304" pitchFamily="18" charset="0"/>
+              </a:rPr>
+              <a:t>- </a:t>
+            </a:r>
+            <a:r>
+              <a:rPr lang="en-US" sz="4400" dirty="0" err="1">
+                <a:latin typeface="Times New Roman" panose="02020603050405020304" pitchFamily="18" charset="0"/>
+                <a:cs typeface="Times New Roman" panose="02020603050405020304" pitchFamily="18" charset="0"/>
+              </a:rPr>
+              <a:t>Độ</a:t>
+            </a:r>
+            <a:r>
+              <a:rPr lang="en-US" sz="4400" dirty="0">
+                <a:latin typeface="Times New Roman" panose="02020603050405020304" pitchFamily="18" charset="0"/>
+                <a:cs typeface="Times New Roman" panose="02020603050405020304" pitchFamily="18" charset="0"/>
+              </a:rPr>
+              <a:t> </a:t>
+            </a:r>
+            <a:r>
+              <a:rPr lang="en-US" sz="4400" dirty="0" err="1">
+                <a:latin typeface="Times New Roman" panose="02020603050405020304" pitchFamily="18" charset="0"/>
+                <a:cs typeface="Times New Roman" panose="02020603050405020304" pitchFamily="18" charset="0"/>
+              </a:rPr>
+              <a:t>lỗi</a:t>
+            </a:r>
+            <a:r>
+              <a:rPr lang="en-US" sz="4400" dirty="0">
+                <a:latin typeface="Times New Roman" panose="02020603050405020304" pitchFamily="18" charset="0"/>
+                <a:cs typeface="Times New Roman" panose="02020603050405020304" pitchFamily="18" charset="0"/>
+              </a:rPr>
+              <a:t> </a:t>
+            </a:r>
+            <a:r>
+              <a:rPr lang="en-US" sz="4400" dirty="0" err="1">
+                <a:latin typeface="Times New Roman" panose="02020603050405020304" pitchFamily="18" charset="0"/>
+                <a:cs typeface="Times New Roman" panose="02020603050405020304" pitchFamily="18" charset="0"/>
+              </a:rPr>
+              <a:t>trên</a:t>
+            </a:r>
+            <a:r>
+              <a:rPr lang="en-US" sz="4400" dirty="0">
+                <a:latin typeface="Times New Roman" panose="02020603050405020304" pitchFamily="18" charset="0"/>
+                <a:cs typeface="Times New Roman" panose="02020603050405020304" pitchFamily="18" charset="0"/>
+              </a:rPr>
+              <a:t> </a:t>
+            </a:r>
+            <a:r>
+              <a:rPr lang="en-US" sz="4400" dirty="0" err="1">
+                <a:latin typeface="Times New Roman" panose="02020603050405020304" pitchFamily="18" charset="0"/>
+                <a:cs typeface="Times New Roman" panose="02020603050405020304" pitchFamily="18" charset="0"/>
+              </a:rPr>
+              <a:t>tập</a:t>
+            </a:r>
+            <a:r>
+              <a:rPr lang="en-US" sz="4400" dirty="0">
+                <a:latin typeface="Times New Roman" panose="02020603050405020304" pitchFamily="18" charset="0"/>
+                <a:cs typeface="Times New Roman" panose="02020603050405020304" pitchFamily="18" charset="0"/>
+              </a:rPr>
+              <a:t> test: 3.4%</a:t>
+            </a:r>
+          </a:p>
+        </p:txBody>
+      </p:sp>
     </p:spTree>
     <p:extLst>
       <p:ext uri="{BB962C8B-B14F-4D97-AF65-F5344CB8AC3E}">
-        <p14:creationId xmlns:p14="http://schemas.microsoft.com/office/powerpoint/2010/main" val="3129213062"/>
+        <p14:creationId xmlns:p14="http://schemas.microsoft.com/office/powerpoint/2010/main" val="2991592677"/>
       </p:ext>
     </p:extLst>
   </p:cSld>
@@ -24282,8 +23887,8 @@
         </p:nvSpPr>
         <p:spPr>
           <a:xfrm>
-            <a:off x="385825" y="1270211"/>
-            <a:ext cx="8668119" cy="3139321"/>
+            <a:off x="304866" y="228220"/>
+            <a:ext cx="8668119" cy="4708981"/>
           </a:xfrm>
           <a:prstGeom prst="rect">
             <a:avLst/>
@@ -24753,7 +24358,21 @@
               </a:rPr>
               <a:t>thấp</a:t>
             </a:r>
-            <a:br>
+            <a:endParaRPr lang="en-US" sz="2000" b="0" i="0" dirty="0">
+              <a:solidFill>
+                <a:srgbClr val="000000"/>
+              </a:solidFill>
+              <a:effectLst/>
+              <a:latin typeface="Times New Roman" panose="02020603050405020304" pitchFamily="18" charset="0"/>
+              <a:cs typeface="Times New Roman" panose="02020603050405020304" pitchFamily="18" charset="0"/>
+            </a:endParaRPr>
+          </a:p>
+          <a:p>
+            <a:pPr>
+              <a:buFont typeface="Arial" panose="020B0604020202020204" pitchFamily="34" charset="0"/>
+              <a:buChar char="•"/>
+            </a:pPr>
+            <a:r>
               <a:rPr lang="vi-VN" sz="2000" b="0" i="0" dirty="0">
                 <a:solidFill>
                   <a:srgbClr val="000000"/>
@@ -24762,7 +24381,1047 @@
                 <a:latin typeface="Times New Roman" panose="02020603050405020304" pitchFamily="18" charset="0"/>
                 <a:cs typeface="Times New Roman" panose="02020603050405020304" pitchFamily="18" charset="0"/>
               </a:rPr>
-            </a:br>
+              <a:t>Khi chia </a:t>
+            </a:r>
+            <a:r>
+              <a:rPr lang="vi-VN" sz="2000" b="0" i="0" dirty="0" err="1">
+                <a:solidFill>
+                  <a:srgbClr val="000000"/>
+                </a:solidFill>
+                <a:effectLst/>
+                <a:latin typeface="Times New Roman" panose="02020603050405020304" pitchFamily="18" charset="0"/>
+                <a:cs typeface="Times New Roman" panose="02020603050405020304" pitchFamily="18" charset="0"/>
+              </a:rPr>
+              <a:t>nhỏ</a:t>
+            </a:r>
+            <a:r>
+              <a:rPr lang="vi-VN" sz="2000" b="0" i="0" dirty="0">
+                <a:solidFill>
+                  <a:srgbClr val="000000"/>
+                </a:solidFill>
+                <a:effectLst/>
+                <a:latin typeface="Times New Roman" panose="02020603050405020304" pitchFamily="18" charset="0"/>
+                <a:cs typeface="Times New Roman" panose="02020603050405020304" pitchFamily="18" charset="0"/>
+              </a:rPr>
+              <a:t> </a:t>
+            </a:r>
+            <a:r>
+              <a:rPr lang="vi-VN" sz="2000" b="0" i="0" dirty="0" err="1">
+                <a:solidFill>
+                  <a:srgbClr val="000000"/>
+                </a:solidFill>
+                <a:effectLst/>
+                <a:latin typeface="Times New Roman" panose="02020603050405020304" pitchFamily="18" charset="0"/>
+                <a:cs typeface="Times New Roman" panose="02020603050405020304" pitchFamily="18" charset="0"/>
+              </a:rPr>
+              <a:t>alpha</a:t>
+            </a:r>
+            <a:r>
+              <a:rPr lang="vi-VN" sz="2000" b="0" i="0" dirty="0">
+                <a:solidFill>
+                  <a:srgbClr val="000000"/>
+                </a:solidFill>
+                <a:effectLst/>
+                <a:latin typeface="Times New Roman" panose="02020603050405020304" pitchFamily="18" charset="0"/>
+                <a:cs typeface="Times New Roman" panose="02020603050405020304" pitchFamily="18" charset="0"/>
+              </a:rPr>
+              <a:t> hơn </a:t>
+            </a:r>
+            <a:r>
+              <a:rPr lang="vi-VN" sz="2000" b="0" i="0" dirty="0" err="1">
+                <a:solidFill>
+                  <a:srgbClr val="000000"/>
+                </a:solidFill>
+                <a:effectLst/>
+                <a:latin typeface="Times New Roman" panose="02020603050405020304" pitchFamily="18" charset="0"/>
+                <a:cs typeface="Times New Roman" panose="02020603050405020304" pitchFamily="18" charset="0"/>
+              </a:rPr>
+              <a:t>nữa</a:t>
+            </a:r>
+            <a:r>
+              <a:rPr lang="vi-VN" sz="2000" b="0" i="0" dirty="0">
+                <a:solidFill>
+                  <a:srgbClr val="000000"/>
+                </a:solidFill>
+                <a:effectLst/>
+                <a:latin typeface="Times New Roman" panose="02020603050405020304" pitchFamily="18" charset="0"/>
+                <a:cs typeface="Times New Roman" panose="02020603050405020304" pitchFamily="18" charset="0"/>
+              </a:rPr>
+              <a:t> </a:t>
+            </a:r>
+            <a:r>
+              <a:rPr lang="vi-VN" sz="2000" b="0" i="0" dirty="0" err="1">
+                <a:solidFill>
+                  <a:srgbClr val="000000"/>
+                </a:solidFill>
+                <a:effectLst/>
+                <a:latin typeface="Times New Roman" panose="02020603050405020304" pitchFamily="18" charset="0"/>
+                <a:cs typeface="Times New Roman" panose="02020603050405020304" pitchFamily="18" charset="0"/>
+              </a:rPr>
+              <a:t>thì</a:t>
+            </a:r>
+            <a:r>
+              <a:rPr lang="vi-VN" sz="2000" b="0" i="0" dirty="0">
+                <a:solidFill>
+                  <a:srgbClr val="000000"/>
+                </a:solidFill>
+                <a:effectLst/>
+                <a:latin typeface="Times New Roman" panose="02020603050405020304" pitchFamily="18" charset="0"/>
+                <a:cs typeface="Times New Roman" panose="02020603050405020304" pitchFamily="18" charset="0"/>
+              </a:rPr>
+              <a:t> </a:t>
+            </a:r>
+            <a:r>
+              <a:rPr lang="vi-VN" sz="2000" b="0" i="0" dirty="0" err="1">
+                <a:solidFill>
+                  <a:srgbClr val="000000"/>
+                </a:solidFill>
+                <a:effectLst/>
+                <a:latin typeface="Times New Roman" panose="02020603050405020304" pitchFamily="18" charset="0"/>
+                <a:cs typeface="Times New Roman" panose="02020603050405020304" pitchFamily="18" charset="0"/>
+              </a:rPr>
+              <a:t>độ</a:t>
+            </a:r>
+            <a:r>
+              <a:rPr lang="vi-VN" sz="2000" b="0" i="0" dirty="0">
+                <a:solidFill>
+                  <a:srgbClr val="000000"/>
+                </a:solidFill>
+                <a:effectLst/>
+                <a:latin typeface="Times New Roman" panose="02020603050405020304" pitchFamily="18" charset="0"/>
+                <a:cs typeface="Times New Roman" panose="02020603050405020304" pitchFamily="18" charset="0"/>
+              </a:rPr>
+              <a:t> </a:t>
+            </a:r>
+            <a:r>
+              <a:rPr lang="vi-VN" sz="2000" b="0" i="0" dirty="0" err="1">
+                <a:solidFill>
+                  <a:srgbClr val="000000"/>
+                </a:solidFill>
+                <a:effectLst/>
+                <a:latin typeface="Times New Roman" panose="02020603050405020304" pitchFamily="18" charset="0"/>
+                <a:cs typeface="Times New Roman" panose="02020603050405020304" pitchFamily="18" charset="0"/>
+              </a:rPr>
+              <a:t>lỗi</a:t>
+            </a:r>
+            <a:r>
+              <a:rPr lang="vi-VN" sz="2000" b="0" i="0" dirty="0">
+                <a:solidFill>
+                  <a:srgbClr val="000000"/>
+                </a:solidFill>
+                <a:effectLst/>
+                <a:latin typeface="Times New Roman" panose="02020603050405020304" pitchFamily="18" charset="0"/>
+                <a:cs typeface="Times New Roman" panose="02020603050405020304" pitchFamily="18" charset="0"/>
+              </a:rPr>
+              <a:t> trên </a:t>
+            </a:r>
+            <a:r>
+              <a:rPr lang="vi-VN" sz="2000" b="0" i="0" dirty="0" err="1">
+                <a:solidFill>
+                  <a:srgbClr val="000000"/>
+                </a:solidFill>
+                <a:effectLst/>
+                <a:latin typeface="Times New Roman" panose="02020603050405020304" pitchFamily="18" charset="0"/>
+                <a:cs typeface="Times New Roman" panose="02020603050405020304" pitchFamily="18" charset="0"/>
+              </a:rPr>
+              <a:t>cả</a:t>
+            </a:r>
+            <a:r>
+              <a:rPr lang="vi-VN" sz="2000" b="0" i="0" dirty="0">
+                <a:solidFill>
+                  <a:srgbClr val="000000"/>
+                </a:solidFill>
+                <a:effectLst/>
+                <a:latin typeface="Times New Roman" panose="02020603050405020304" pitchFamily="18" charset="0"/>
+                <a:cs typeface="Times New Roman" panose="02020603050405020304" pitchFamily="18" charset="0"/>
+              </a:rPr>
+              <a:t> 2 </a:t>
+            </a:r>
+            <a:r>
+              <a:rPr lang="vi-VN" sz="2000" b="0" i="0" dirty="0" err="1">
+                <a:solidFill>
+                  <a:srgbClr val="000000"/>
+                </a:solidFill>
+                <a:effectLst/>
+                <a:latin typeface="Times New Roman" panose="02020603050405020304" pitchFamily="18" charset="0"/>
+                <a:cs typeface="Times New Roman" panose="02020603050405020304" pitchFamily="18" charset="0"/>
+              </a:rPr>
+              <a:t>tập</a:t>
+            </a:r>
+            <a:r>
+              <a:rPr lang="vi-VN" sz="2000" b="0" i="0" dirty="0">
+                <a:solidFill>
+                  <a:srgbClr val="000000"/>
+                </a:solidFill>
+                <a:effectLst/>
+                <a:latin typeface="Times New Roman" panose="02020603050405020304" pitchFamily="18" charset="0"/>
+                <a:cs typeface="Times New Roman" panose="02020603050405020304" pitchFamily="18" charset="0"/>
+              </a:rPr>
+              <a:t> </a:t>
+            </a:r>
+            <a:r>
+              <a:rPr lang="vi-VN" sz="2000" b="0" i="0" dirty="0" err="1">
+                <a:solidFill>
+                  <a:srgbClr val="000000"/>
+                </a:solidFill>
+                <a:effectLst/>
+                <a:latin typeface="Times New Roman" panose="02020603050405020304" pitchFamily="18" charset="0"/>
+                <a:cs typeface="Times New Roman" panose="02020603050405020304" pitchFamily="18" charset="0"/>
+              </a:rPr>
+              <a:t>train</a:t>
+            </a:r>
+            <a:r>
+              <a:rPr lang="vi-VN" sz="2000" b="0" i="0" dirty="0">
+                <a:solidFill>
+                  <a:srgbClr val="000000"/>
+                </a:solidFill>
+                <a:effectLst/>
+                <a:latin typeface="Times New Roman" panose="02020603050405020304" pitchFamily="18" charset="0"/>
+                <a:cs typeface="Times New Roman" panose="02020603050405020304" pitchFamily="18" charset="0"/>
+              </a:rPr>
+              <a:t> </a:t>
+            </a:r>
+            <a:r>
+              <a:rPr lang="vi-VN" sz="2000" b="0" i="0" dirty="0" err="1">
+                <a:solidFill>
+                  <a:srgbClr val="000000"/>
+                </a:solidFill>
+                <a:effectLst/>
+                <a:latin typeface="Times New Roman" panose="02020603050405020304" pitchFamily="18" charset="0"/>
+                <a:cs typeface="Times New Roman" panose="02020603050405020304" pitchFamily="18" charset="0"/>
+              </a:rPr>
+              <a:t>và</a:t>
+            </a:r>
+            <a:r>
+              <a:rPr lang="vi-VN" sz="2000" b="0" i="0" dirty="0">
+                <a:solidFill>
+                  <a:srgbClr val="000000"/>
+                </a:solidFill>
+                <a:effectLst/>
+                <a:latin typeface="Times New Roman" panose="02020603050405020304" pitchFamily="18" charset="0"/>
+                <a:cs typeface="Times New Roman" panose="02020603050405020304" pitchFamily="18" charset="0"/>
+              </a:rPr>
+              <a:t> </a:t>
+            </a:r>
+            <a:r>
+              <a:rPr lang="vi-VN" sz="2000" b="0" i="0" dirty="0" err="1">
+                <a:solidFill>
+                  <a:srgbClr val="000000"/>
+                </a:solidFill>
+                <a:effectLst/>
+                <a:latin typeface="Times New Roman" panose="02020603050405020304" pitchFamily="18" charset="0"/>
+                <a:cs typeface="Times New Roman" panose="02020603050405020304" pitchFamily="18" charset="0"/>
+              </a:rPr>
+              <a:t>valid</a:t>
+            </a:r>
+            <a:r>
+              <a:rPr lang="vi-VN" sz="2000" b="0" i="0" dirty="0">
+                <a:solidFill>
+                  <a:srgbClr val="000000"/>
+                </a:solidFill>
+                <a:effectLst/>
+                <a:latin typeface="Times New Roman" panose="02020603050405020304" pitchFamily="18" charset="0"/>
+                <a:cs typeface="Times New Roman" panose="02020603050405020304" pitchFamily="18" charset="0"/>
+              </a:rPr>
+              <a:t> </a:t>
+            </a:r>
+            <a:r>
+              <a:rPr lang="vi-VN" sz="2000" b="0" i="0" dirty="0" err="1">
+                <a:solidFill>
+                  <a:srgbClr val="000000"/>
+                </a:solidFill>
+                <a:effectLst/>
+                <a:latin typeface="Times New Roman" panose="02020603050405020304" pitchFamily="18" charset="0"/>
+                <a:cs typeface="Times New Roman" panose="02020603050405020304" pitchFamily="18" charset="0"/>
+              </a:rPr>
+              <a:t>dường</a:t>
+            </a:r>
+            <a:r>
+              <a:rPr lang="vi-VN" sz="2000" b="0" i="0" dirty="0">
+                <a:solidFill>
+                  <a:srgbClr val="000000"/>
+                </a:solidFill>
+                <a:effectLst/>
+                <a:latin typeface="Times New Roman" panose="02020603050405020304" pitchFamily="18" charset="0"/>
+                <a:cs typeface="Times New Roman" panose="02020603050405020304" pitchFamily="18" charset="0"/>
+              </a:rPr>
+              <a:t> như không thay </a:t>
+            </a:r>
+            <a:r>
+              <a:rPr lang="vi-VN" sz="2000" b="0" i="0" dirty="0" err="1">
+                <a:solidFill>
+                  <a:srgbClr val="000000"/>
+                </a:solidFill>
+                <a:effectLst/>
+                <a:latin typeface="Times New Roman" panose="02020603050405020304" pitchFamily="18" charset="0"/>
+                <a:cs typeface="Times New Roman" panose="02020603050405020304" pitchFamily="18" charset="0"/>
+              </a:rPr>
+              <a:t>đổi</a:t>
+            </a:r>
+            <a:r>
+              <a:rPr lang="vi-VN" sz="2000" b="0" i="0" dirty="0">
+                <a:solidFill>
+                  <a:srgbClr val="000000"/>
+                </a:solidFill>
+                <a:effectLst/>
+                <a:latin typeface="Times New Roman" panose="02020603050405020304" pitchFamily="18" charset="0"/>
+                <a:cs typeface="Times New Roman" panose="02020603050405020304" pitchFamily="18" charset="0"/>
+              </a:rPr>
+              <a:t> </a:t>
+            </a:r>
+            <a:r>
+              <a:rPr lang="vi-VN" sz="2000" b="0" i="0" dirty="0" err="1">
+                <a:solidFill>
+                  <a:srgbClr val="000000"/>
+                </a:solidFill>
+                <a:effectLst/>
+                <a:latin typeface="Times New Roman" panose="02020603050405020304" pitchFamily="18" charset="0"/>
+                <a:cs typeface="Times New Roman" panose="02020603050405020304" pitchFamily="18" charset="0"/>
+              </a:rPr>
+              <a:t>nhiều</a:t>
+            </a:r>
+            <a:r>
+              <a:rPr lang="vi-VN" sz="2000" b="0" i="0" dirty="0">
+                <a:solidFill>
+                  <a:srgbClr val="000000"/>
+                </a:solidFill>
+                <a:effectLst/>
+                <a:latin typeface="Times New Roman" panose="02020603050405020304" pitchFamily="18" charset="0"/>
+                <a:cs typeface="Times New Roman" panose="02020603050405020304" pitchFamily="18" charset="0"/>
+              </a:rPr>
+              <a:t>.</a:t>
+            </a:r>
+            <a:endParaRPr lang="en-US" sz="2000" b="0" i="0" dirty="0">
+              <a:solidFill>
+                <a:srgbClr val="000000"/>
+              </a:solidFill>
+              <a:effectLst/>
+              <a:latin typeface="Times New Roman" panose="02020603050405020304" pitchFamily="18" charset="0"/>
+              <a:cs typeface="Times New Roman" panose="02020603050405020304" pitchFamily="18" charset="0"/>
+            </a:endParaRPr>
+          </a:p>
+          <a:p>
+            <a:endParaRPr lang="vi-VN" sz="2000" b="0" i="0" dirty="0">
+              <a:solidFill>
+                <a:srgbClr val="000000"/>
+              </a:solidFill>
+              <a:effectLst/>
+              <a:latin typeface="Times New Roman" panose="02020603050405020304" pitchFamily="18" charset="0"/>
+              <a:cs typeface="Times New Roman" panose="02020603050405020304" pitchFamily="18" charset="0"/>
+            </a:endParaRPr>
+          </a:p>
+          <a:p>
+            <a:pPr>
+              <a:buFont typeface="Arial" panose="020B0604020202020204" pitchFamily="34" charset="0"/>
+              <a:buChar char="•"/>
+            </a:pPr>
+            <a:r>
+              <a:rPr lang="vi-VN" sz="2000" b="0" i="0" dirty="0" err="1">
+                <a:solidFill>
+                  <a:srgbClr val="000000"/>
+                </a:solidFill>
+                <a:effectLst/>
+                <a:latin typeface="Times New Roman" panose="02020603050405020304" pitchFamily="18" charset="0"/>
+                <a:cs typeface="Times New Roman" panose="02020603050405020304" pitchFamily="18" charset="0"/>
+              </a:rPr>
+              <a:t>Dự</a:t>
+            </a:r>
+            <a:r>
+              <a:rPr lang="vi-VN" sz="2000" b="0" i="0" dirty="0">
+                <a:solidFill>
+                  <a:srgbClr val="000000"/>
+                </a:solidFill>
+                <a:effectLst/>
+                <a:latin typeface="Times New Roman" panose="02020603050405020304" pitchFamily="18" charset="0"/>
+                <a:cs typeface="Times New Roman" panose="02020603050405020304" pitchFamily="18" charset="0"/>
+              </a:rPr>
+              <a:t> </a:t>
+            </a:r>
+            <a:r>
+              <a:rPr lang="vi-VN" sz="2000" b="0" i="0" dirty="0" err="1">
+                <a:solidFill>
+                  <a:srgbClr val="000000"/>
+                </a:solidFill>
+                <a:effectLst/>
+                <a:latin typeface="Times New Roman" panose="02020603050405020304" pitchFamily="18" charset="0"/>
+                <a:cs typeface="Times New Roman" panose="02020603050405020304" pitchFamily="18" charset="0"/>
+              </a:rPr>
+              <a:t>đoán</a:t>
+            </a:r>
+            <a:r>
+              <a:rPr lang="vi-VN" sz="2000" b="0" i="0" dirty="0">
+                <a:solidFill>
+                  <a:srgbClr val="000000"/>
+                </a:solidFill>
+                <a:effectLst/>
+                <a:latin typeface="Times New Roman" panose="02020603050405020304" pitchFamily="18" charset="0"/>
+                <a:cs typeface="Times New Roman" panose="02020603050405020304" pitchFamily="18" charset="0"/>
+              </a:rPr>
+              <a:t> trên </a:t>
+            </a:r>
+            <a:r>
+              <a:rPr lang="vi-VN" sz="2000" b="0" i="0" dirty="0" err="1">
+                <a:solidFill>
+                  <a:srgbClr val="000000"/>
+                </a:solidFill>
+                <a:effectLst/>
+                <a:latin typeface="Times New Roman" panose="02020603050405020304" pitchFamily="18" charset="0"/>
+                <a:cs typeface="Times New Roman" panose="02020603050405020304" pitchFamily="18" charset="0"/>
+              </a:rPr>
+              <a:t>tập</a:t>
+            </a:r>
+            <a:r>
+              <a:rPr lang="vi-VN" sz="2000" b="0" i="0" dirty="0">
+                <a:solidFill>
+                  <a:srgbClr val="000000"/>
+                </a:solidFill>
+                <a:effectLst/>
+                <a:latin typeface="Times New Roman" panose="02020603050405020304" pitchFamily="18" charset="0"/>
+                <a:cs typeface="Times New Roman" panose="02020603050405020304" pitchFamily="18" charset="0"/>
+              </a:rPr>
+              <a:t> </a:t>
+            </a:r>
+            <a:r>
+              <a:rPr lang="vi-VN" sz="2000" b="0" i="0" dirty="0" err="1">
+                <a:solidFill>
+                  <a:srgbClr val="000000"/>
+                </a:solidFill>
+                <a:effectLst/>
+                <a:latin typeface="Times New Roman" panose="02020603050405020304" pitchFamily="18" charset="0"/>
+                <a:cs typeface="Times New Roman" panose="02020603050405020304" pitchFamily="18" charset="0"/>
+              </a:rPr>
+              <a:t>train</a:t>
+            </a:r>
+            <a:r>
+              <a:rPr lang="vi-VN" sz="2000" b="0" i="0" dirty="0">
+                <a:solidFill>
+                  <a:srgbClr val="000000"/>
+                </a:solidFill>
+                <a:effectLst/>
+                <a:latin typeface="Times New Roman" panose="02020603050405020304" pitchFamily="18" charset="0"/>
+                <a:cs typeface="Times New Roman" panose="02020603050405020304" pitchFamily="18" charset="0"/>
+              </a:rPr>
+              <a:t> </a:t>
+            </a:r>
+            <a:r>
+              <a:rPr lang="vi-VN" sz="2000" b="0" i="0" dirty="0" err="1">
+                <a:solidFill>
+                  <a:srgbClr val="000000"/>
+                </a:solidFill>
+                <a:effectLst/>
+                <a:latin typeface="Times New Roman" panose="02020603050405020304" pitchFamily="18" charset="0"/>
+                <a:cs typeface="Times New Roman" panose="02020603050405020304" pitchFamily="18" charset="0"/>
+              </a:rPr>
+              <a:t>tốt</a:t>
+            </a:r>
+            <a:r>
+              <a:rPr lang="vi-VN" sz="2000" b="0" i="0" dirty="0">
+                <a:solidFill>
+                  <a:srgbClr val="000000"/>
+                </a:solidFill>
+                <a:effectLst/>
+                <a:latin typeface="Times New Roman" panose="02020603050405020304" pitchFamily="18" charset="0"/>
+                <a:cs typeface="Times New Roman" panose="02020603050405020304" pitchFamily="18" charset="0"/>
+              </a:rPr>
+              <a:t> hơn </a:t>
+            </a:r>
+            <a:r>
+              <a:rPr lang="vi-VN" sz="2000" b="0" i="0" dirty="0" err="1">
+                <a:solidFill>
+                  <a:srgbClr val="000000"/>
+                </a:solidFill>
+                <a:effectLst/>
+                <a:latin typeface="Times New Roman" panose="02020603050405020304" pitchFamily="18" charset="0"/>
+                <a:cs typeface="Times New Roman" panose="02020603050405020304" pitchFamily="18" charset="0"/>
+              </a:rPr>
+              <a:t>tập</a:t>
+            </a:r>
+            <a:r>
+              <a:rPr lang="vi-VN" sz="2000" b="0" i="0" dirty="0">
+                <a:solidFill>
+                  <a:srgbClr val="000000"/>
+                </a:solidFill>
+                <a:effectLst/>
+                <a:latin typeface="Times New Roman" panose="02020603050405020304" pitchFamily="18" charset="0"/>
+                <a:cs typeface="Times New Roman" panose="02020603050405020304" pitchFamily="18" charset="0"/>
+              </a:rPr>
+              <a:t> </a:t>
+            </a:r>
+            <a:r>
+              <a:rPr lang="vi-VN" sz="2000" b="0" i="0" dirty="0" err="1">
+                <a:solidFill>
+                  <a:srgbClr val="000000"/>
+                </a:solidFill>
+                <a:effectLst/>
+                <a:latin typeface="Times New Roman" panose="02020603050405020304" pitchFamily="18" charset="0"/>
+                <a:cs typeface="Times New Roman" panose="02020603050405020304" pitchFamily="18" charset="0"/>
+              </a:rPr>
+              <a:t>valid</a:t>
+            </a:r>
+            <a:r>
+              <a:rPr lang="vi-VN" sz="2000" b="0" i="0" dirty="0">
+                <a:solidFill>
+                  <a:srgbClr val="000000"/>
+                </a:solidFill>
+                <a:effectLst/>
+                <a:latin typeface="Times New Roman" panose="02020603050405020304" pitchFamily="18" charset="0"/>
+                <a:cs typeface="Times New Roman" panose="02020603050405020304" pitchFamily="18" charset="0"/>
+              </a:rPr>
+              <a:t>. Nhưng khi </a:t>
+            </a:r>
+            <a:r>
+              <a:rPr lang="vi-VN" sz="2000" b="0" i="0" dirty="0" err="1">
+                <a:solidFill>
+                  <a:srgbClr val="000000"/>
+                </a:solidFill>
+                <a:effectLst/>
+                <a:latin typeface="Times New Roman" panose="02020603050405020304" pitchFamily="18" charset="0"/>
+                <a:cs typeface="Times New Roman" panose="02020603050405020304" pitchFamily="18" charset="0"/>
+              </a:rPr>
+              <a:t>train</a:t>
+            </a:r>
+            <a:r>
+              <a:rPr lang="vi-VN" sz="2000" b="0" i="0" dirty="0">
+                <a:solidFill>
+                  <a:srgbClr val="000000"/>
+                </a:solidFill>
+                <a:effectLst/>
+                <a:latin typeface="Times New Roman" panose="02020603050405020304" pitchFamily="18" charset="0"/>
+                <a:cs typeface="Times New Roman" panose="02020603050405020304" pitchFamily="18" charset="0"/>
+              </a:rPr>
+              <a:t> </a:t>
+            </a:r>
+            <a:r>
+              <a:rPr lang="vi-VN" sz="2000" b="0" i="0" dirty="0" err="1">
+                <a:solidFill>
+                  <a:srgbClr val="000000"/>
+                </a:solidFill>
+                <a:effectLst/>
+                <a:latin typeface="Times New Roman" panose="02020603050405020304" pitchFamily="18" charset="0"/>
+                <a:cs typeface="Times New Roman" panose="02020603050405020304" pitchFamily="18" charset="0"/>
+              </a:rPr>
+              <a:t>model</a:t>
+            </a:r>
+            <a:r>
+              <a:rPr lang="vi-VN" sz="2000" b="0" i="0" dirty="0">
+                <a:solidFill>
+                  <a:srgbClr val="000000"/>
+                </a:solidFill>
+                <a:effectLst/>
+                <a:latin typeface="Times New Roman" panose="02020603050405020304" pitchFamily="18" charset="0"/>
+                <a:cs typeface="Times New Roman" panose="02020603050405020304" pitchFamily="18" charset="0"/>
+              </a:rPr>
+              <a:t> </a:t>
+            </a:r>
+            <a:r>
+              <a:rPr lang="vi-VN" sz="2000" b="0" i="0" dirty="0" err="1">
+                <a:solidFill>
+                  <a:srgbClr val="000000"/>
+                </a:solidFill>
+                <a:effectLst/>
+                <a:latin typeface="Times New Roman" panose="02020603050405020304" pitchFamily="18" charset="0"/>
+                <a:cs typeface="Times New Roman" panose="02020603050405020304" pitchFamily="18" charset="0"/>
+              </a:rPr>
+              <a:t>với</a:t>
+            </a:r>
+            <a:r>
+              <a:rPr lang="vi-VN" sz="2000" b="0" i="0" dirty="0">
+                <a:solidFill>
+                  <a:srgbClr val="000000"/>
+                </a:solidFill>
+                <a:effectLst/>
+                <a:latin typeface="Times New Roman" panose="02020603050405020304" pitchFamily="18" charset="0"/>
+                <a:cs typeface="Times New Roman" panose="02020603050405020304" pitchFamily="18" charset="0"/>
+              </a:rPr>
+              <a:t> </a:t>
+            </a:r>
+            <a:r>
+              <a:rPr lang="vi-VN" sz="2000" b="0" i="0" dirty="0" err="1">
+                <a:solidFill>
+                  <a:srgbClr val="000000"/>
+                </a:solidFill>
+                <a:effectLst/>
+                <a:latin typeface="Times New Roman" panose="02020603050405020304" pitchFamily="18" charset="0"/>
+                <a:cs typeface="Times New Roman" panose="02020603050405020304" pitchFamily="18" charset="0"/>
+              </a:rPr>
+              <a:t>alpha</a:t>
+            </a:r>
+            <a:r>
+              <a:rPr lang="vi-VN" sz="2000" b="0" i="0" dirty="0">
+                <a:solidFill>
+                  <a:srgbClr val="000000"/>
+                </a:solidFill>
+                <a:effectLst/>
+                <a:latin typeface="Times New Roman" panose="02020603050405020304" pitchFamily="18" charset="0"/>
+                <a:cs typeface="Times New Roman" panose="02020603050405020304" pitchFamily="18" charset="0"/>
+              </a:rPr>
+              <a:t> </a:t>
+            </a:r>
+            <a:r>
+              <a:rPr lang="vi-VN" sz="2000" b="0" i="0" dirty="0" err="1">
+                <a:solidFill>
+                  <a:srgbClr val="000000"/>
+                </a:solidFill>
+                <a:effectLst/>
+                <a:latin typeface="Times New Roman" panose="02020603050405020304" pitchFamily="18" charset="0"/>
+                <a:cs typeface="Times New Roman" panose="02020603050405020304" pitchFamily="18" charset="0"/>
+              </a:rPr>
+              <a:t>tốt</a:t>
+            </a:r>
+            <a:r>
+              <a:rPr lang="vi-VN" sz="2000" b="0" i="0" dirty="0">
+                <a:solidFill>
+                  <a:srgbClr val="000000"/>
+                </a:solidFill>
+                <a:effectLst/>
+                <a:latin typeface="Times New Roman" panose="02020603050405020304" pitchFamily="18" charset="0"/>
+                <a:cs typeface="Times New Roman" panose="02020603050405020304" pitchFamily="18" charset="0"/>
+              </a:rPr>
+              <a:t> </a:t>
+            </a:r>
+            <a:r>
+              <a:rPr lang="vi-VN" sz="2000" b="0" i="0" dirty="0" err="1">
+                <a:solidFill>
+                  <a:srgbClr val="000000"/>
+                </a:solidFill>
+                <a:effectLst/>
+                <a:latin typeface="Times New Roman" panose="02020603050405020304" pitchFamily="18" charset="0"/>
+                <a:cs typeface="Times New Roman" panose="02020603050405020304" pitchFamily="18" charset="0"/>
+              </a:rPr>
+              <a:t>nhất</a:t>
+            </a:r>
+            <a:r>
+              <a:rPr lang="vi-VN" sz="2000" b="0" i="0" dirty="0">
+                <a:solidFill>
+                  <a:srgbClr val="000000"/>
+                </a:solidFill>
+                <a:effectLst/>
+                <a:latin typeface="Times New Roman" panose="02020603050405020304" pitchFamily="18" charset="0"/>
+                <a:cs typeface="Times New Roman" panose="02020603050405020304" pitchFamily="18" charset="0"/>
+              </a:rPr>
+              <a:t> </a:t>
+            </a:r>
+            <a:r>
+              <a:rPr lang="vi-VN" sz="2000" b="0" i="0" dirty="0" err="1">
+                <a:solidFill>
+                  <a:srgbClr val="000000"/>
+                </a:solidFill>
+                <a:effectLst/>
+                <a:latin typeface="Times New Roman" panose="02020603050405020304" pitchFamily="18" charset="0"/>
+                <a:cs typeface="Times New Roman" panose="02020603050405020304" pitchFamily="18" charset="0"/>
+              </a:rPr>
+              <a:t>và</a:t>
+            </a:r>
+            <a:r>
+              <a:rPr lang="vi-VN" sz="2000" b="0" i="0" dirty="0">
+                <a:solidFill>
+                  <a:srgbClr val="000000"/>
+                </a:solidFill>
+                <a:effectLst/>
+                <a:latin typeface="Times New Roman" panose="02020603050405020304" pitchFamily="18" charset="0"/>
+                <a:cs typeface="Times New Roman" panose="02020603050405020304" pitchFamily="18" charset="0"/>
+              </a:rPr>
+              <a:t> </a:t>
+            </a:r>
+            <a:r>
+              <a:rPr lang="vi-VN" sz="2000" b="0" i="0" dirty="0" err="1">
+                <a:solidFill>
+                  <a:srgbClr val="000000"/>
+                </a:solidFill>
+                <a:effectLst/>
+                <a:latin typeface="Times New Roman" panose="02020603050405020304" pitchFamily="18" charset="0"/>
+                <a:cs typeface="Times New Roman" panose="02020603050405020304" pitchFamily="18" charset="0"/>
+              </a:rPr>
+              <a:t>dự</a:t>
+            </a:r>
+            <a:r>
+              <a:rPr lang="vi-VN" sz="2000" b="0" i="0" dirty="0">
+                <a:solidFill>
+                  <a:srgbClr val="000000"/>
+                </a:solidFill>
+                <a:effectLst/>
+                <a:latin typeface="Times New Roman" panose="02020603050405020304" pitchFamily="18" charset="0"/>
+                <a:cs typeface="Times New Roman" panose="02020603050405020304" pitchFamily="18" charset="0"/>
+              </a:rPr>
+              <a:t> </a:t>
+            </a:r>
+            <a:r>
+              <a:rPr lang="vi-VN" sz="2000" b="0" i="0" dirty="0" err="1">
+                <a:solidFill>
+                  <a:srgbClr val="000000"/>
+                </a:solidFill>
+                <a:effectLst/>
+                <a:latin typeface="Times New Roman" panose="02020603050405020304" pitchFamily="18" charset="0"/>
+                <a:cs typeface="Times New Roman" panose="02020603050405020304" pitchFamily="18" charset="0"/>
+              </a:rPr>
+              <a:t>đoán</a:t>
+            </a:r>
+            <a:r>
+              <a:rPr lang="vi-VN" sz="2000" b="0" i="0" dirty="0">
+                <a:solidFill>
+                  <a:srgbClr val="000000"/>
+                </a:solidFill>
+                <a:effectLst/>
+                <a:latin typeface="Times New Roman" panose="02020603050405020304" pitchFamily="18" charset="0"/>
+                <a:cs typeface="Times New Roman" panose="02020603050405020304" pitchFamily="18" charset="0"/>
+              </a:rPr>
+              <a:t> </a:t>
+            </a:r>
+            <a:r>
+              <a:rPr lang="vi-VN" sz="2000" b="0" i="0" dirty="0" err="1">
+                <a:solidFill>
+                  <a:srgbClr val="000000"/>
+                </a:solidFill>
+                <a:effectLst/>
+                <a:latin typeface="Times New Roman" panose="02020603050405020304" pitchFamily="18" charset="0"/>
+                <a:cs typeface="Times New Roman" panose="02020603050405020304" pitchFamily="18" charset="0"/>
+              </a:rPr>
+              <a:t>thì</a:t>
+            </a:r>
+            <a:r>
+              <a:rPr lang="vi-VN" sz="2000" b="0" i="0" dirty="0">
+                <a:solidFill>
+                  <a:srgbClr val="000000"/>
+                </a:solidFill>
+                <a:effectLst/>
+                <a:latin typeface="Times New Roman" panose="02020603050405020304" pitchFamily="18" charset="0"/>
+                <a:cs typeface="Times New Roman" panose="02020603050405020304" pitchFamily="18" charset="0"/>
+              </a:rPr>
+              <a:t> </a:t>
+            </a:r>
+            <a:r>
+              <a:rPr lang="vi-VN" sz="2000" b="0" i="0" dirty="0" err="1">
+                <a:solidFill>
+                  <a:srgbClr val="000000"/>
+                </a:solidFill>
+                <a:effectLst/>
+                <a:latin typeface="Times New Roman" panose="02020603050405020304" pitchFamily="18" charset="0"/>
+                <a:cs typeface="Times New Roman" panose="02020603050405020304" pitchFamily="18" charset="0"/>
+              </a:rPr>
+              <a:t>có</a:t>
+            </a:r>
+            <a:r>
+              <a:rPr lang="vi-VN" sz="2000" b="0" i="0" dirty="0">
+                <a:solidFill>
+                  <a:srgbClr val="000000"/>
+                </a:solidFill>
+                <a:effectLst/>
+                <a:latin typeface="Times New Roman" panose="02020603050405020304" pitchFamily="18" charset="0"/>
+                <a:cs typeface="Times New Roman" panose="02020603050405020304" pitchFamily="18" charset="0"/>
+              </a:rPr>
+              <a:t> </a:t>
+            </a:r>
+            <a:r>
+              <a:rPr lang="vi-VN" sz="2000" b="0" i="0" dirty="0" err="1">
+                <a:solidFill>
+                  <a:srgbClr val="000000"/>
+                </a:solidFill>
+                <a:effectLst/>
+                <a:latin typeface="Times New Roman" panose="02020603050405020304" pitchFamily="18" charset="0"/>
+                <a:cs typeface="Times New Roman" panose="02020603050405020304" pitchFamily="18" charset="0"/>
+              </a:rPr>
+              <a:t>sự</a:t>
+            </a:r>
+            <a:r>
+              <a:rPr lang="vi-VN" sz="2000" b="0" i="0" dirty="0">
+                <a:solidFill>
+                  <a:srgbClr val="000000"/>
+                </a:solidFill>
+                <a:effectLst/>
+                <a:latin typeface="Times New Roman" panose="02020603050405020304" pitchFamily="18" charset="0"/>
+                <a:cs typeface="Times New Roman" panose="02020603050405020304" pitchFamily="18" charset="0"/>
+              </a:rPr>
+              <a:t> </a:t>
+            </a:r>
+            <a:r>
+              <a:rPr lang="vi-VN" sz="2000" b="0" i="0" dirty="0" err="1">
+                <a:solidFill>
+                  <a:srgbClr val="000000"/>
+                </a:solidFill>
+                <a:effectLst/>
+                <a:latin typeface="Times New Roman" panose="02020603050405020304" pitchFamily="18" charset="0"/>
+                <a:cs typeface="Times New Roman" panose="02020603050405020304" pitchFamily="18" charset="0"/>
+              </a:rPr>
+              <a:t>bất</a:t>
+            </a:r>
+            <a:r>
+              <a:rPr lang="vi-VN" sz="2000" b="0" i="0" dirty="0">
+                <a:solidFill>
+                  <a:srgbClr val="000000"/>
+                </a:solidFill>
+                <a:effectLst/>
+                <a:latin typeface="Times New Roman" panose="02020603050405020304" pitchFamily="18" charset="0"/>
+                <a:cs typeface="Times New Roman" panose="02020603050405020304" pitchFamily="18" charset="0"/>
+              </a:rPr>
+              <a:t> </a:t>
+            </a:r>
+            <a:r>
+              <a:rPr lang="vi-VN" sz="2000" b="0" i="0" dirty="0" err="1">
+                <a:solidFill>
+                  <a:srgbClr val="000000"/>
+                </a:solidFill>
+                <a:effectLst/>
+                <a:latin typeface="Times New Roman" panose="02020603050405020304" pitchFamily="18" charset="0"/>
+                <a:cs typeface="Times New Roman" panose="02020603050405020304" pitchFamily="18" charset="0"/>
+              </a:rPr>
+              <a:t>ngờ</a:t>
+            </a:r>
+            <a:r>
+              <a:rPr lang="vi-VN" sz="2000" b="0" i="0" dirty="0">
+                <a:solidFill>
+                  <a:srgbClr val="000000"/>
+                </a:solidFill>
+                <a:effectLst/>
+                <a:latin typeface="Times New Roman" panose="02020603050405020304" pitchFamily="18" charset="0"/>
+                <a:cs typeface="Times New Roman" panose="02020603050405020304" pitchFamily="18" charset="0"/>
+              </a:rPr>
+              <a:t>, </a:t>
+            </a:r>
+            <a:r>
+              <a:rPr lang="vi-VN" sz="2000" b="0" i="0" dirty="0" err="1">
+                <a:solidFill>
+                  <a:srgbClr val="000000"/>
+                </a:solidFill>
+                <a:effectLst/>
+                <a:latin typeface="Times New Roman" panose="02020603050405020304" pitchFamily="18" charset="0"/>
+                <a:cs typeface="Times New Roman" panose="02020603050405020304" pitchFamily="18" charset="0"/>
+              </a:rPr>
+              <a:t>độ</a:t>
+            </a:r>
+            <a:r>
+              <a:rPr lang="vi-VN" sz="2000" b="0" i="0" dirty="0">
+                <a:solidFill>
+                  <a:srgbClr val="000000"/>
+                </a:solidFill>
+                <a:effectLst/>
+                <a:latin typeface="Times New Roman" panose="02020603050405020304" pitchFamily="18" charset="0"/>
+                <a:cs typeface="Times New Roman" panose="02020603050405020304" pitchFamily="18" charset="0"/>
+              </a:rPr>
+              <a:t> </a:t>
+            </a:r>
+            <a:r>
+              <a:rPr lang="vi-VN" sz="2000" b="0" i="0" dirty="0" err="1">
+                <a:solidFill>
+                  <a:srgbClr val="000000"/>
+                </a:solidFill>
+                <a:effectLst/>
+                <a:latin typeface="Times New Roman" panose="02020603050405020304" pitchFamily="18" charset="0"/>
+                <a:cs typeface="Times New Roman" panose="02020603050405020304" pitchFamily="18" charset="0"/>
+              </a:rPr>
+              <a:t>lỗi</a:t>
+            </a:r>
+            <a:r>
+              <a:rPr lang="vi-VN" sz="2000" b="0" i="0" dirty="0">
+                <a:solidFill>
+                  <a:srgbClr val="000000"/>
+                </a:solidFill>
+                <a:effectLst/>
+                <a:latin typeface="Times New Roman" panose="02020603050405020304" pitchFamily="18" charset="0"/>
+                <a:cs typeface="Times New Roman" panose="02020603050405020304" pitchFamily="18" charset="0"/>
+              </a:rPr>
+              <a:t> trên </a:t>
+            </a:r>
+            <a:r>
+              <a:rPr lang="vi-VN" sz="2000" b="0" i="0" dirty="0" err="1">
+                <a:solidFill>
+                  <a:srgbClr val="000000"/>
+                </a:solidFill>
+                <a:effectLst/>
+                <a:latin typeface="Times New Roman" panose="02020603050405020304" pitchFamily="18" charset="0"/>
+                <a:cs typeface="Times New Roman" panose="02020603050405020304" pitchFamily="18" charset="0"/>
+              </a:rPr>
+              <a:t>tập</a:t>
+            </a:r>
+            <a:r>
+              <a:rPr lang="vi-VN" sz="2000" b="0" i="0" dirty="0">
+                <a:solidFill>
+                  <a:srgbClr val="000000"/>
+                </a:solidFill>
+                <a:effectLst/>
+                <a:latin typeface="Times New Roman" panose="02020603050405020304" pitchFamily="18" charset="0"/>
+                <a:cs typeface="Times New Roman" panose="02020603050405020304" pitchFamily="18" charset="0"/>
+              </a:rPr>
+              <a:t> </a:t>
+            </a:r>
+            <a:r>
+              <a:rPr lang="vi-VN" sz="2000" b="0" i="0" dirty="0" err="1">
+                <a:solidFill>
+                  <a:srgbClr val="000000"/>
+                </a:solidFill>
+                <a:effectLst/>
+                <a:latin typeface="Times New Roman" panose="02020603050405020304" pitchFamily="18" charset="0"/>
+                <a:cs typeface="Times New Roman" panose="02020603050405020304" pitchFamily="18" charset="0"/>
+              </a:rPr>
+              <a:t>test</a:t>
+            </a:r>
+            <a:r>
+              <a:rPr lang="vi-VN" sz="2000" b="0" i="0" dirty="0">
+                <a:solidFill>
+                  <a:srgbClr val="000000"/>
+                </a:solidFill>
+                <a:effectLst/>
+                <a:latin typeface="Times New Roman" panose="02020603050405020304" pitchFamily="18" charset="0"/>
+                <a:cs typeface="Times New Roman" panose="02020603050405020304" pitchFamily="18" charset="0"/>
+              </a:rPr>
+              <a:t> </a:t>
+            </a:r>
+            <a:r>
+              <a:rPr lang="vi-VN" sz="2000" b="0" i="0" dirty="0" err="1">
+                <a:solidFill>
+                  <a:srgbClr val="000000"/>
+                </a:solidFill>
+                <a:effectLst/>
+                <a:latin typeface="Times New Roman" panose="02020603050405020304" pitchFamily="18" charset="0"/>
+                <a:cs typeface="Times New Roman" panose="02020603050405020304" pitchFamily="18" charset="0"/>
+              </a:rPr>
+              <a:t>tốt</a:t>
+            </a:r>
+            <a:r>
+              <a:rPr lang="vi-VN" sz="2000" b="0" i="0" dirty="0">
+                <a:solidFill>
+                  <a:srgbClr val="000000"/>
+                </a:solidFill>
+                <a:effectLst/>
+                <a:latin typeface="Times New Roman" panose="02020603050405020304" pitchFamily="18" charset="0"/>
+                <a:cs typeface="Times New Roman" panose="02020603050405020304" pitchFamily="18" charset="0"/>
+              </a:rPr>
+              <a:t> hơn </a:t>
+            </a:r>
+            <a:r>
+              <a:rPr lang="vi-VN" sz="2000" b="0" i="0" dirty="0" err="1">
+                <a:solidFill>
+                  <a:srgbClr val="000000"/>
+                </a:solidFill>
+                <a:effectLst/>
+                <a:latin typeface="Times New Roman" panose="02020603050405020304" pitchFamily="18" charset="0"/>
+                <a:cs typeface="Times New Roman" panose="02020603050405020304" pitchFamily="18" charset="0"/>
+              </a:rPr>
+              <a:t>cả</a:t>
+            </a:r>
+            <a:r>
+              <a:rPr lang="vi-VN" sz="2000" b="0" i="0" dirty="0">
+                <a:solidFill>
+                  <a:srgbClr val="000000"/>
+                </a:solidFill>
+                <a:effectLst/>
+                <a:latin typeface="Times New Roman" panose="02020603050405020304" pitchFamily="18" charset="0"/>
+                <a:cs typeface="Times New Roman" panose="02020603050405020304" pitchFamily="18" charset="0"/>
+              </a:rPr>
+              <a:t> </a:t>
+            </a:r>
+            <a:r>
+              <a:rPr lang="vi-VN" sz="2000" b="0" i="0" dirty="0" err="1">
+                <a:solidFill>
+                  <a:srgbClr val="000000"/>
+                </a:solidFill>
+                <a:effectLst/>
+                <a:latin typeface="Times New Roman" panose="02020603050405020304" pitchFamily="18" charset="0"/>
+                <a:cs typeface="Times New Roman" panose="02020603050405020304" pitchFamily="18" charset="0"/>
+              </a:rPr>
+              <a:t>độ</a:t>
+            </a:r>
+            <a:r>
+              <a:rPr lang="vi-VN" sz="2000" b="0" i="0" dirty="0">
+                <a:solidFill>
+                  <a:srgbClr val="000000"/>
+                </a:solidFill>
+                <a:effectLst/>
+                <a:latin typeface="Times New Roman" panose="02020603050405020304" pitchFamily="18" charset="0"/>
+                <a:cs typeface="Times New Roman" panose="02020603050405020304" pitchFamily="18" charset="0"/>
+              </a:rPr>
+              <a:t> </a:t>
+            </a:r>
+            <a:r>
+              <a:rPr lang="vi-VN" sz="2000" b="0" i="0" dirty="0" err="1">
+                <a:solidFill>
+                  <a:srgbClr val="000000"/>
+                </a:solidFill>
+                <a:effectLst/>
+                <a:latin typeface="Times New Roman" panose="02020603050405020304" pitchFamily="18" charset="0"/>
+                <a:cs typeface="Times New Roman" panose="02020603050405020304" pitchFamily="18" charset="0"/>
+              </a:rPr>
+              <a:t>lỗi</a:t>
+            </a:r>
+            <a:r>
+              <a:rPr lang="vi-VN" sz="2000" b="0" i="0" dirty="0">
+                <a:solidFill>
+                  <a:srgbClr val="000000"/>
+                </a:solidFill>
+                <a:effectLst/>
+                <a:latin typeface="Times New Roman" panose="02020603050405020304" pitchFamily="18" charset="0"/>
+                <a:cs typeface="Times New Roman" panose="02020603050405020304" pitchFamily="18" charset="0"/>
+              </a:rPr>
+              <a:t> trên </a:t>
+            </a:r>
+            <a:r>
+              <a:rPr lang="vi-VN" sz="2000" b="0" i="0" dirty="0" err="1">
+                <a:solidFill>
+                  <a:srgbClr val="000000"/>
+                </a:solidFill>
+                <a:effectLst/>
+                <a:latin typeface="Times New Roman" panose="02020603050405020304" pitchFamily="18" charset="0"/>
+                <a:cs typeface="Times New Roman" panose="02020603050405020304" pitchFamily="18" charset="0"/>
+              </a:rPr>
+              <a:t>tập</a:t>
+            </a:r>
+            <a:r>
+              <a:rPr lang="vi-VN" sz="2000" b="0" i="0" dirty="0">
+                <a:solidFill>
+                  <a:srgbClr val="000000"/>
+                </a:solidFill>
+                <a:effectLst/>
+                <a:latin typeface="Times New Roman" panose="02020603050405020304" pitchFamily="18" charset="0"/>
+                <a:cs typeface="Times New Roman" panose="02020603050405020304" pitchFamily="18" charset="0"/>
+              </a:rPr>
+              <a:t> </a:t>
+            </a:r>
+            <a:r>
+              <a:rPr lang="vi-VN" sz="2000" b="0" i="0" dirty="0" err="1">
+                <a:solidFill>
+                  <a:srgbClr val="000000"/>
+                </a:solidFill>
+                <a:effectLst/>
+                <a:latin typeface="Times New Roman" panose="02020603050405020304" pitchFamily="18" charset="0"/>
+                <a:cs typeface="Times New Roman" panose="02020603050405020304" pitchFamily="18" charset="0"/>
+              </a:rPr>
+              <a:t>train</a:t>
+            </a:r>
+            <a:r>
+              <a:rPr lang="vi-VN" sz="2000" b="0" i="0" dirty="0">
+                <a:solidFill>
+                  <a:srgbClr val="000000"/>
+                </a:solidFill>
+                <a:effectLst/>
+                <a:latin typeface="Times New Roman" panose="02020603050405020304" pitchFamily="18" charset="0"/>
+                <a:cs typeface="Times New Roman" panose="02020603050405020304" pitchFamily="18" charset="0"/>
+              </a:rPr>
+              <a:t> + </a:t>
+            </a:r>
+            <a:r>
+              <a:rPr lang="vi-VN" sz="2000" b="0" i="0" dirty="0" err="1">
+                <a:solidFill>
+                  <a:srgbClr val="000000"/>
+                </a:solidFill>
+                <a:effectLst/>
+                <a:latin typeface="Times New Roman" panose="02020603050405020304" pitchFamily="18" charset="0"/>
+                <a:cs typeface="Times New Roman" panose="02020603050405020304" pitchFamily="18" charset="0"/>
+              </a:rPr>
+              <a:t>val</a:t>
+            </a:r>
+            <a:r>
+              <a:rPr lang="vi-VN" sz="2000" b="0" i="0" dirty="0">
+                <a:solidFill>
+                  <a:srgbClr val="000000"/>
+                </a:solidFill>
+                <a:effectLst/>
+                <a:latin typeface="Times New Roman" panose="02020603050405020304" pitchFamily="18" charset="0"/>
+                <a:cs typeface="Times New Roman" panose="02020603050405020304" pitchFamily="18" charset="0"/>
+              </a:rPr>
+              <a:t>.</a:t>
+            </a:r>
+          </a:p>
+          <a:p>
+            <a:pPr algn="l"/>
             <a:endParaRPr lang="vi-VN" sz="2000" b="0" i="0" dirty="0">
               <a:solidFill>
                 <a:srgbClr val="000000"/>
@@ -25105,7 +25764,14 @@
                 <a:latin typeface="Times New Roman" panose="02020603050405020304" pitchFamily="18" charset="0"/>
                 <a:cs typeface="Times New Roman" panose="02020603050405020304" pitchFamily="18" charset="0"/>
               </a:rPr>
-              <a:t>. Khi </a:t>
+              <a:t>. </a:t>
+            </a:r>
+            <a:r>
+              <a:rPr lang="en-US" sz="2000" dirty="0">
+                <a:latin typeface="Times New Roman" panose="02020603050405020304" pitchFamily="18" charset="0"/>
+                <a:cs typeface="Times New Roman" panose="02020603050405020304" pitchFamily="18" charset="0"/>
+              </a:rPr>
+              <a:t>T</a:t>
             </a:r>
             <a:r>
               <a:rPr lang="vi-VN" sz="2000" b="0" i="0" dirty="0" err="1">
@@ -25116,249 +25782,7 @@
                 <a:latin typeface="Times New Roman" panose="02020603050405020304" pitchFamily="18" charset="0"/>
                 <a:cs typeface="Times New Roman" panose="02020603050405020304" pitchFamily="18" charset="0"/>
               </a:rPr>
-              <a:t>alpha</a:t>
-            </a:r>
-            <a:r>
-              <a:rPr lang="vi-VN" sz="2000" b="0" i="0" dirty="0">
-                <a:solidFill>
-                  <a:srgbClr val="000000"/>
-                </a:solidFill>
-                <a:effectLst/>
-                <a:latin typeface="Times New Roman" panose="02020603050405020304" pitchFamily="18" charset="0"/>
-                <a:cs typeface="Times New Roman" panose="02020603050405020304" pitchFamily="18" charset="0"/>
-              </a:rPr>
-              <a:t> </a:t>
-            </a:r>
-            <a:r>
-              <a:rPr lang="vi-VN" sz="2000" b="0" i="0" dirty="0" err="1">
-                <a:solidFill>
-                  <a:srgbClr val="000000"/>
-                </a:solidFill>
-                <a:effectLst/>
-                <a:latin typeface="Times New Roman" panose="02020603050405020304" pitchFamily="18" charset="0"/>
-                <a:cs typeface="Times New Roman" panose="02020603050405020304" pitchFamily="18" charset="0"/>
-              </a:rPr>
-              <a:t>càng</a:t>
-            </a:r>
-            <a:r>
-              <a:rPr lang="vi-VN" sz="2000" b="0" i="0" dirty="0">
-                <a:solidFill>
-                  <a:srgbClr val="000000"/>
-                </a:solidFill>
-                <a:effectLst/>
-                <a:latin typeface="Times New Roman" panose="02020603050405020304" pitchFamily="18" charset="0"/>
-                <a:cs typeface="Times New Roman" panose="02020603050405020304" pitchFamily="18" charset="0"/>
-              </a:rPr>
-              <a:t> </a:t>
-            </a:r>
-            <a:r>
-              <a:rPr lang="vi-VN" sz="2000" b="0" i="0" dirty="0" err="1">
-                <a:solidFill>
-                  <a:srgbClr val="000000"/>
-                </a:solidFill>
-                <a:effectLst/>
-                <a:latin typeface="Times New Roman" panose="02020603050405020304" pitchFamily="18" charset="0"/>
-                <a:cs typeface="Times New Roman" panose="02020603050405020304" pitchFamily="18" charset="0"/>
-              </a:rPr>
-              <a:t>giảm</a:t>
-            </a:r>
-            <a:r>
-              <a:rPr lang="vi-VN" sz="2000" b="0" i="0" dirty="0">
-                <a:solidFill>
-                  <a:srgbClr val="000000"/>
-                </a:solidFill>
-                <a:effectLst/>
-                <a:latin typeface="Times New Roman" panose="02020603050405020304" pitchFamily="18" charset="0"/>
-                <a:cs typeface="Times New Roman" panose="02020603050405020304" pitchFamily="18" charset="0"/>
-              </a:rPr>
-              <a:t> </a:t>
-            </a:r>
-            <a:r>
-              <a:rPr lang="vi-VN" sz="2000" b="0" i="0" dirty="0" err="1">
-                <a:solidFill>
-                  <a:srgbClr val="000000"/>
-                </a:solidFill>
-                <a:effectLst/>
-                <a:latin typeface="Times New Roman" panose="02020603050405020304" pitchFamily="18" charset="0"/>
-                <a:cs typeface="Times New Roman" panose="02020603050405020304" pitchFamily="18" charset="0"/>
-              </a:rPr>
-              <a:t>thì</a:t>
-            </a:r>
-            <a:r>
-              <a:rPr lang="vi-VN" sz="2000" b="0" i="0" dirty="0">
-                <a:solidFill>
-                  <a:srgbClr val="000000"/>
-                </a:solidFill>
-                <a:effectLst/>
-                <a:latin typeface="Times New Roman" panose="02020603050405020304" pitchFamily="18" charset="0"/>
-                <a:cs typeface="Times New Roman" panose="02020603050405020304" pitchFamily="18" charset="0"/>
-              </a:rPr>
-              <a:t> </a:t>
-            </a:r>
-            <a:r>
-              <a:rPr lang="vi-VN" sz="2000" b="0" i="0" dirty="0" err="1">
-                <a:solidFill>
-                  <a:srgbClr val="000000"/>
-                </a:solidFill>
-                <a:effectLst/>
-                <a:latin typeface="Times New Roman" panose="02020603050405020304" pitchFamily="18" charset="0"/>
-                <a:cs typeface="Times New Roman" panose="02020603050405020304" pitchFamily="18" charset="0"/>
-              </a:rPr>
-              <a:t>độ</a:t>
-            </a:r>
-            <a:r>
-              <a:rPr lang="vi-VN" sz="2000" b="0" i="0" dirty="0">
-                <a:solidFill>
-                  <a:srgbClr val="000000"/>
-                </a:solidFill>
-                <a:effectLst/>
-                <a:latin typeface="Times New Roman" panose="02020603050405020304" pitchFamily="18" charset="0"/>
-                <a:cs typeface="Times New Roman" panose="02020603050405020304" pitchFamily="18" charset="0"/>
-              </a:rPr>
-              <a:t> </a:t>
-            </a:r>
-            <a:r>
-              <a:rPr lang="vi-VN" sz="2000" b="0" i="0" dirty="0" err="1">
-                <a:solidFill>
-                  <a:srgbClr val="000000"/>
-                </a:solidFill>
-                <a:effectLst/>
-                <a:latin typeface="Times New Roman" panose="02020603050405020304" pitchFamily="18" charset="0"/>
-                <a:cs typeface="Times New Roman" panose="02020603050405020304" pitchFamily="18" charset="0"/>
-              </a:rPr>
-              <a:t>lỗi</a:t>
-            </a:r>
-            <a:r>
-              <a:rPr lang="vi-VN" sz="2000" b="0" i="0" dirty="0">
-                <a:solidFill>
-                  <a:srgbClr val="000000"/>
-                </a:solidFill>
-                <a:effectLst/>
-                <a:latin typeface="Times New Roman" panose="02020603050405020304" pitchFamily="18" charset="0"/>
-                <a:cs typeface="Times New Roman" panose="02020603050405020304" pitchFamily="18" charset="0"/>
-              </a:rPr>
-              <a:t> trên </a:t>
-            </a:r>
-            <a:r>
-              <a:rPr lang="vi-VN" sz="2000" b="0" i="0" dirty="0" err="1">
-                <a:solidFill>
-                  <a:srgbClr val="000000"/>
-                </a:solidFill>
-                <a:effectLst/>
-                <a:latin typeface="Times New Roman" panose="02020603050405020304" pitchFamily="18" charset="0"/>
-                <a:cs typeface="Times New Roman" panose="02020603050405020304" pitchFamily="18" charset="0"/>
-              </a:rPr>
-              <a:t>cả</a:t>
-            </a:r>
-            <a:r>
-              <a:rPr lang="vi-VN" sz="2000" b="0" i="0" dirty="0">
-                <a:solidFill>
-                  <a:srgbClr val="000000"/>
-                </a:solidFill>
-                <a:effectLst/>
-                <a:latin typeface="Times New Roman" panose="02020603050405020304" pitchFamily="18" charset="0"/>
-                <a:cs typeface="Times New Roman" panose="02020603050405020304" pitchFamily="18" charset="0"/>
-              </a:rPr>
-              <a:t> hai </a:t>
-            </a:r>
-            <a:r>
-              <a:rPr lang="vi-VN" sz="2000" b="0" i="0" dirty="0" err="1">
-                <a:solidFill>
-                  <a:srgbClr val="000000"/>
-                </a:solidFill>
-                <a:effectLst/>
-                <a:latin typeface="Times New Roman" panose="02020603050405020304" pitchFamily="18" charset="0"/>
-                <a:cs typeface="Times New Roman" panose="02020603050405020304" pitchFamily="18" charset="0"/>
-              </a:rPr>
-              <a:t>tập</a:t>
-            </a:r>
-            <a:r>
-              <a:rPr lang="vi-VN" sz="2000" b="0" i="0" dirty="0">
-                <a:solidFill>
-                  <a:srgbClr val="000000"/>
-                </a:solidFill>
-                <a:effectLst/>
-                <a:latin typeface="Times New Roman" panose="02020603050405020304" pitchFamily="18" charset="0"/>
-                <a:cs typeface="Times New Roman" panose="02020603050405020304" pitchFamily="18" charset="0"/>
-              </a:rPr>
-              <a:t> </a:t>
-            </a:r>
-            <a:r>
-              <a:rPr lang="vi-VN" sz="2000" b="0" i="0" dirty="0" err="1">
-                <a:solidFill>
-                  <a:srgbClr val="000000"/>
-                </a:solidFill>
-                <a:effectLst/>
-                <a:latin typeface="Times New Roman" panose="02020603050405020304" pitchFamily="18" charset="0"/>
-                <a:cs typeface="Times New Roman" panose="02020603050405020304" pitchFamily="18" charset="0"/>
-              </a:rPr>
-              <a:t>cũng</a:t>
-            </a:r>
-            <a:r>
-              <a:rPr lang="vi-VN" sz="2000" b="0" i="0" dirty="0">
-                <a:solidFill>
-                  <a:srgbClr val="000000"/>
-                </a:solidFill>
-                <a:effectLst/>
-                <a:latin typeface="Times New Roman" panose="02020603050405020304" pitchFamily="18" charset="0"/>
-                <a:cs typeface="Times New Roman" panose="02020603050405020304" pitchFamily="18" charset="0"/>
-              </a:rPr>
-              <a:t> </a:t>
-            </a:r>
-            <a:r>
-              <a:rPr lang="vi-VN" sz="2000" b="0" i="0" dirty="0" err="1">
-                <a:solidFill>
-                  <a:srgbClr val="000000"/>
-                </a:solidFill>
-                <a:effectLst/>
-                <a:latin typeface="Times New Roman" panose="02020603050405020304" pitchFamily="18" charset="0"/>
-                <a:cs typeface="Times New Roman" panose="02020603050405020304" pitchFamily="18" charset="0"/>
-              </a:rPr>
-              <a:t>sẽ</a:t>
-            </a:r>
-            <a:r>
-              <a:rPr lang="vi-VN" sz="2000" b="0" i="0" dirty="0">
-                <a:solidFill>
-                  <a:srgbClr val="000000"/>
-                </a:solidFill>
-                <a:effectLst/>
-                <a:latin typeface="Times New Roman" panose="02020603050405020304" pitchFamily="18" charset="0"/>
-                <a:cs typeface="Times New Roman" panose="02020603050405020304" pitchFamily="18" charset="0"/>
-              </a:rPr>
-              <a:t> </a:t>
-            </a:r>
-            <a:r>
-              <a:rPr lang="vi-VN" sz="2000" b="0" i="0" dirty="0" err="1">
-                <a:solidFill>
-                  <a:srgbClr val="000000"/>
-                </a:solidFill>
-                <a:effectLst/>
-                <a:latin typeface="Times New Roman" panose="02020603050405020304" pitchFamily="18" charset="0"/>
-                <a:cs typeface="Times New Roman" panose="02020603050405020304" pitchFamily="18" charset="0"/>
-              </a:rPr>
-              <a:t>giảm</a:t>
-            </a:r>
-            <a:r>
-              <a:rPr lang="vi-VN" sz="2000" b="0" i="0" dirty="0">
-                <a:solidFill>
-                  <a:srgbClr val="000000"/>
-                </a:solidFill>
-                <a:effectLst/>
-                <a:latin typeface="Times New Roman" panose="02020603050405020304" pitchFamily="18" charset="0"/>
-                <a:cs typeface="Times New Roman" panose="02020603050405020304" pitchFamily="18" charset="0"/>
-              </a:rPr>
-              <a:t> nhưng </a:t>
-            </a:r>
-            <a:r>
-              <a:rPr lang="vi-VN" sz="2000" b="0" i="0" dirty="0" err="1">
-                <a:solidFill>
-                  <a:srgbClr val="000000"/>
-                </a:solidFill>
-                <a:effectLst/>
-                <a:latin typeface="Times New Roman" panose="02020603050405020304" pitchFamily="18" charset="0"/>
-                <a:cs typeface="Times New Roman" panose="02020603050405020304" pitchFamily="18" charset="0"/>
-              </a:rPr>
-              <a:t>tại</a:t>
+              <a:t>ại</a:t>
             </a:r>
             <a:r>
               <a:rPr lang="vi-VN" sz="2000" b="0" i="0" dirty="0">
@@ -25858,300 +26282,10 @@
           </a:p>
           <a:p>
             <a:pPr algn="l"/>
-            <a:endParaRPr lang="en-US" sz="1600" dirty="0">
+            <a:endParaRPr lang="en-US" sz="2000" dirty="0">
               <a:latin typeface="Times New Roman" panose="02020603050405020304" pitchFamily="18" charset="0"/>
               <a:cs typeface="Times New Roman" panose="02020603050405020304" pitchFamily="18" charset="0"/>
             </a:endParaRPr>
-          </a:p>
-        </p:txBody>
-      </p:sp>
-      <p:sp>
-        <p:nvSpPr>
-          <p:cNvPr id="10" name="Chỗ dành sẵn cho Văn bản 3">
-            <a:extLst>
-              <a:ext uri="{FF2B5EF4-FFF2-40B4-BE49-F238E27FC236}">
-                <a16:creationId xmlns:a16="http://schemas.microsoft.com/office/drawing/2014/main" id="{40BBDBB1-F597-495E-8656-CA46B1CA0F3A}"/>
-              </a:ext>
-            </a:extLst>
-          </p:cNvPr>
-          <p:cNvSpPr>
-            <a:spLocks noGrp="1"/>
-          </p:cNvSpPr>
-          <p:nvPr>
-            <p:ph type="body" idx="1"/>
-          </p:nvPr>
-        </p:nvSpPr>
-        <p:spPr>
-          <a:xfrm>
-            <a:off x="94754" y="143141"/>
-            <a:ext cx="8668119" cy="779604"/>
-          </a:xfrm>
-        </p:spPr>
-        <p:txBody>
-          <a:bodyPr/>
-          <a:lstStyle/>
-          <a:p>
-            <a:pPr algn="l"/>
-            <a:r>
-              <a:rPr lang="vi-VN" sz="2000" b="1" i="0" dirty="0" err="1">
-                <a:solidFill>
-                  <a:srgbClr val="000000"/>
-                </a:solidFill>
-                <a:effectLst/>
-                <a:latin typeface="+mj-lt"/>
-              </a:rPr>
-              <a:t>Trực</a:t>
-            </a:r>
-            <a:r>
-              <a:rPr lang="vi-VN" sz="2000" b="1" i="0" dirty="0">
-                <a:solidFill>
-                  <a:srgbClr val="000000"/>
-                </a:solidFill>
-                <a:effectLst/>
-                <a:latin typeface="+mj-lt"/>
-              </a:rPr>
-              <a:t> quan </a:t>
-            </a:r>
-            <a:r>
-              <a:rPr lang="vi-VN" sz="2000" b="1" i="0" dirty="0" err="1">
-                <a:solidFill>
-                  <a:srgbClr val="000000"/>
-                </a:solidFill>
-                <a:effectLst/>
-                <a:latin typeface="+mj-lt"/>
-              </a:rPr>
-              <a:t>hóa</a:t>
-            </a:r>
-            <a:r>
-              <a:rPr lang="vi-VN" sz="2000" b="1" i="0" dirty="0">
-                <a:solidFill>
-                  <a:srgbClr val="000000"/>
-                </a:solidFill>
-                <a:effectLst/>
-                <a:latin typeface="+mj-lt"/>
-              </a:rPr>
-              <a:t> </a:t>
-            </a:r>
-            <a:r>
-              <a:rPr lang="vi-VN" sz="2000" b="1" i="0" dirty="0" err="1">
-                <a:solidFill>
-                  <a:srgbClr val="000000"/>
-                </a:solidFill>
-                <a:effectLst/>
-                <a:latin typeface="+mj-lt"/>
-              </a:rPr>
-              <a:t>độ</a:t>
-            </a:r>
-            <a:r>
-              <a:rPr lang="vi-VN" sz="2000" b="1" i="0" dirty="0">
-                <a:solidFill>
-                  <a:srgbClr val="000000"/>
-                </a:solidFill>
-                <a:effectLst/>
-                <a:latin typeface="+mj-lt"/>
-              </a:rPr>
-              <a:t> </a:t>
-            </a:r>
-            <a:r>
-              <a:rPr lang="vi-VN" sz="2000" b="1" i="0" dirty="0" err="1">
-                <a:solidFill>
-                  <a:srgbClr val="000000"/>
-                </a:solidFill>
-                <a:effectLst/>
-                <a:latin typeface="+mj-lt"/>
-              </a:rPr>
-              <a:t>lỗi</a:t>
-            </a:r>
-            <a:r>
-              <a:rPr lang="vi-VN" sz="2000" b="1" i="0" dirty="0">
-                <a:solidFill>
-                  <a:srgbClr val="000000"/>
-                </a:solidFill>
-                <a:effectLst/>
-                <a:latin typeface="+mj-lt"/>
-              </a:rPr>
-              <a:t> </a:t>
-            </a:r>
-            <a:r>
-              <a:rPr lang="vi-VN" sz="2000" b="1" i="0" dirty="0" err="1">
-                <a:solidFill>
-                  <a:srgbClr val="000000"/>
-                </a:solidFill>
-                <a:effectLst/>
-                <a:latin typeface="+mj-lt"/>
-              </a:rPr>
-              <a:t>của</a:t>
-            </a:r>
-            <a:r>
-              <a:rPr lang="vi-VN" sz="2000" b="1" i="0" dirty="0">
-                <a:solidFill>
-                  <a:srgbClr val="000000"/>
-                </a:solidFill>
-                <a:effectLst/>
-                <a:latin typeface="+mj-lt"/>
-              </a:rPr>
-              <a:t> </a:t>
-            </a:r>
-            <a:r>
-              <a:rPr lang="vi-VN" sz="2000" b="1" i="0" dirty="0" err="1">
-                <a:solidFill>
-                  <a:srgbClr val="000000"/>
-                </a:solidFill>
-                <a:effectLst/>
-                <a:latin typeface="+mj-lt"/>
-              </a:rPr>
-              <a:t>các</a:t>
-            </a:r>
-            <a:r>
-              <a:rPr lang="vi-VN" sz="2000" b="1" i="0" dirty="0">
-                <a:solidFill>
-                  <a:srgbClr val="000000"/>
-                </a:solidFill>
-                <a:effectLst/>
-                <a:latin typeface="+mj-lt"/>
-              </a:rPr>
-              <a:t> </a:t>
-            </a:r>
-            <a:r>
-              <a:rPr lang="vi-VN" sz="2000" b="1" i="0" dirty="0" err="1">
-                <a:solidFill>
-                  <a:srgbClr val="000000"/>
-                </a:solidFill>
-                <a:effectLst/>
-                <a:latin typeface="+mj-lt"/>
-              </a:rPr>
-              <a:t>tập</a:t>
-            </a:r>
-            <a:r>
-              <a:rPr lang="vi-VN" sz="2000" b="1" i="0" dirty="0">
-                <a:solidFill>
-                  <a:srgbClr val="000000"/>
-                </a:solidFill>
-                <a:effectLst/>
-                <a:latin typeface="+mj-lt"/>
-              </a:rPr>
-              <a:t> trên </a:t>
-            </a:r>
-            <a:r>
-              <a:rPr lang="vi-VN" sz="2000" b="1" i="0" dirty="0" err="1">
-                <a:solidFill>
-                  <a:srgbClr val="000000"/>
-                </a:solidFill>
-                <a:effectLst/>
-                <a:latin typeface="+mj-lt"/>
-              </a:rPr>
-              <a:t>miền</a:t>
-            </a:r>
-            <a:r>
-              <a:rPr lang="vi-VN" sz="2000" b="1" i="0" dirty="0">
-                <a:solidFill>
-                  <a:srgbClr val="000000"/>
-                </a:solidFill>
-                <a:effectLst/>
-                <a:latin typeface="+mj-lt"/>
-              </a:rPr>
-              <a:t> </a:t>
-            </a:r>
-            <a:r>
-              <a:rPr lang="vi-VN" sz="2000" b="1" i="0" dirty="0" err="1">
-                <a:solidFill>
-                  <a:srgbClr val="000000"/>
-                </a:solidFill>
-                <a:effectLst/>
-                <a:latin typeface="+mj-lt"/>
-              </a:rPr>
-              <a:t>giá</a:t>
-            </a:r>
-            <a:r>
-              <a:rPr lang="vi-VN" sz="2000" b="1" i="0" dirty="0">
-                <a:solidFill>
-                  <a:srgbClr val="000000"/>
-                </a:solidFill>
-                <a:effectLst/>
-                <a:latin typeface="+mj-lt"/>
-              </a:rPr>
-              <a:t> </a:t>
-            </a:r>
-            <a:r>
-              <a:rPr lang="vi-VN" sz="2000" b="1" i="0" dirty="0" err="1">
-                <a:solidFill>
-                  <a:srgbClr val="000000"/>
-                </a:solidFill>
-                <a:effectLst/>
-                <a:latin typeface="+mj-lt"/>
-              </a:rPr>
-              <a:t>trị</a:t>
-            </a:r>
-            <a:r>
-              <a:rPr lang="vi-VN" sz="2000" b="1" i="0" dirty="0">
-                <a:solidFill>
-                  <a:srgbClr val="000000"/>
-                </a:solidFill>
-                <a:effectLst/>
-                <a:latin typeface="+mj-lt"/>
-              </a:rPr>
-              <a:t> </a:t>
-            </a:r>
-            <a:r>
-              <a:rPr lang="vi-VN" sz="2000" b="1" i="0" dirty="0" err="1">
-                <a:solidFill>
-                  <a:srgbClr val="000000"/>
-                </a:solidFill>
-                <a:effectLst/>
-                <a:latin typeface="+mj-lt"/>
-              </a:rPr>
-              <a:t>alpha</a:t>
-            </a:r>
-            <a:r>
-              <a:rPr lang="vi-VN" sz="2000" b="1" i="0" dirty="0">
-                <a:solidFill>
-                  <a:srgbClr val="000000"/>
-                </a:solidFill>
-                <a:effectLst/>
-                <a:latin typeface="+mj-lt"/>
-              </a:rPr>
-              <a:t> </a:t>
-            </a:r>
-            <a:r>
-              <a:rPr lang="vi-VN" sz="2000" b="1" i="0" dirty="0" err="1">
-                <a:solidFill>
-                  <a:srgbClr val="000000"/>
-                </a:solidFill>
-                <a:effectLst/>
-                <a:latin typeface="+mj-lt"/>
-              </a:rPr>
-              <a:t>được</a:t>
-            </a:r>
-            <a:r>
-              <a:rPr lang="vi-VN" sz="2000" b="1" i="0" dirty="0">
-                <a:solidFill>
-                  <a:srgbClr val="000000"/>
-                </a:solidFill>
-                <a:effectLst/>
-                <a:latin typeface="+mj-lt"/>
-              </a:rPr>
-              <a:t> phân </a:t>
-            </a:r>
-            <a:r>
-              <a:rPr lang="vi-VN" sz="2000" b="1" i="0" dirty="0" err="1">
-                <a:solidFill>
-                  <a:srgbClr val="000000"/>
-                </a:solidFill>
-                <a:effectLst/>
-                <a:latin typeface="+mj-lt"/>
-              </a:rPr>
-              <a:t>nhỏ</a:t>
-            </a:r>
-            <a:r>
-              <a:rPr lang="vi-VN" sz="2000" b="1" i="0" dirty="0">
-                <a:solidFill>
-                  <a:srgbClr val="000000"/>
-                </a:solidFill>
-                <a:effectLst/>
-                <a:latin typeface="+mj-lt"/>
-              </a:rPr>
-              <a:t> hơn</a:t>
-            </a:r>
           </a:p>
         </p:txBody>
       </p:sp>

--- a/Slide.pptx
+++ b/Slide.pptx
@@ -31176,10 +31176,10 @@
       </p:sp>
       <p:pic>
         <p:nvPicPr>
-          <p:cNvPr id="5" name="Hình ảnh 4">
+          <p:cNvPr id="4" name="Hình ảnh 3">
             <a:extLst>
               <a:ext uri="{FF2B5EF4-FFF2-40B4-BE49-F238E27FC236}">
-                <a16:creationId xmlns:a16="http://schemas.microsoft.com/office/drawing/2014/main" id="{1A8E01E8-F599-4B42-AE59-FC944EA7FD30}"/>
+                <a16:creationId xmlns:a16="http://schemas.microsoft.com/office/drawing/2014/main" id="{EF56E7E4-70C1-4C77-9438-8819690F0CC7}"/>
               </a:ext>
             </a:extLst>
           </p:cNvPr>
@@ -31196,8 +31196,8 @@
         </p:blipFill>
         <p:spPr>
           <a:xfrm>
-            <a:off x="399717" y="993212"/>
-            <a:ext cx="3857625" cy="2724150"/>
+            <a:off x="524257" y="886268"/>
+            <a:ext cx="3990975" cy="2647950"/>
           </a:xfrm>
           <a:prstGeom prst="rect">
             <a:avLst/>
@@ -31206,10 +31206,10 @@
       </p:pic>
       <p:pic>
         <p:nvPicPr>
-          <p:cNvPr id="8" name="Hình ảnh 7">
+          <p:cNvPr id="7" name="Hình ảnh 6">
             <a:extLst>
               <a:ext uri="{FF2B5EF4-FFF2-40B4-BE49-F238E27FC236}">
-                <a16:creationId xmlns:a16="http://schemas.microsoft.com/office/drawing/2014/main" id="{07EC41B6-A95D-4B09-B867-8E7A5C49D1B7}"/>
+                <a16:creationId xmlns:a16="http://schemas.microsoft.com/office/drawing/2014/main" id="{415B3689-640C-433D-9182-AC184DB0A023}"/>
               </a:ext>
             </a:extLst>
           </p:cNvPr>
@@ -31226,8 +31226,8 @@
         </p:blipFill>
         <p:spPr>
           <a:xfrm>
-            <a:off x="4572000" y="1079299"/>
-            <a:ext cx="4029075" cy="2695575"/>
+            <a:off x="4572000" y="941755"/>
+            <a:ext cx="4162425" cy="2743200"/>
           </a:xfrm>
           <a:prstGeom prst="rect">
             <a:avLst/>
